--- a/Prezentácia.pptx
+++ b/Prezentácia.pptx
@@ -1,30 +1,30 @@
 
 <file path=ppt/presentation.xml><?xml version="1.0" encoding="utf-8"?>
-<p:presentation xmlns:a="http://schemas.openxmlformats.org/drawingml/2006/main" xmlns:r="http://schemas.openxmlformats.org/officeDocument/2006/relationships" xmlns:mc="http://schemas.openxmlformats.org/markup-compatibility/2006" xmlns:mv="urn:schemas-microsoft-com:mac:vml" xmlns:p="http://schemas.openxmlformats.org/presentationml/2006/main" xmlns:c="http://schemas.openxmlformats.org/drawingml/2006/chart" xmlns:dgm="http://schemas.openxmlformats.org/drawingml/2006/diagram" xmlns:o="urn:schemas-microsoft-com:office:office" xmlns:v="urn:schemas-microsoft-com:vml" xmlns:pvml="urn:schemas-microsoft-com:office:powerpoint" xmlns:com="http://schemas.openxmlformats.org/drawingml/2006/compatibility" xmlns:p14="http://schemas.microsoft.com/office/powerpoint/2010/main" autoCompressPictures="0" strictFirstAndLastChars="0" saveSubsetFonts="1">
+<p:presentation xmlns:a="http://schemas.openxmlformats.org/drawingml/2006/main" xmlns:r="http://schemas.openxmlformats.org/officeDocument/2006/relationships" xmlns:p="http://schemas.openxmlformats.org/presentationml/2006/main" strictFirstAndLastChars="0" saveSubsetFonts="1" autoCompressPictures="0">
   <p:sldMasterIdLst>
-    <p:sldMasterId id="2147483654" r:id="rId4"/>
+    <p:sldMasterId id="2147483654" r:id="rId1"/>
   </p:sldMasterIdLst>
   <p:notesMasterIdLst>
-    <p:notesMasterId r:id="rId5"/>
+    <p:notesMasterId r:id="rId14"/>
   </p:notesMasterIdLst>
   <p:sldIdLst>
-    <p:sldId id="256" r:id="rId6"/>
-    <p:sldId id="257" r:id="rId7"/>
-    <p:sldId id="258" r:id="rId8"/>
-    <p:sldId id="259" r:id="rId9"/>
-    <p:sldId id="260" r:id="rId10"/>
-    <p:sldId id="261" r:id="rId11"/>
-    <p:sldId id="262" r:id="rId12"/>
-    <p:sldId id="263" r:id="rId13"/>
-    <p:sldId id="264" r:id="rId14"/>
-    <p:sldId id="265" r:id="rId15"/>
-    <p:sldId id="266" r:id="rId16"/>
-    <p:sldId id="267" r:id="rId17"/>
+    <p:sldId id="256" r:id="rId2"/>
+    <p:sldId id="257" r:id="rId3"/>
+    <p:sldId id="258" r:id="rId4"/>
+    <p:sldId id="259" r:id="rId5"/>
+    <p:sldId id="260" r:id="rId6"/>
+    <p:sldId id="261" r:id="rId7"/>
+    <p:sldId id="262" r:id="rId8"/>
+    <p:sldId id="263" r:id="rId9"/>
+    <p:sldId id="264" r:id="rId10"/>
+    <p:sldId id="265" r:id="rId11"/>
+    <p:sldId id="266" r:id="rId12"/>
+    <p:sldId id="267" r:id="rId13"/>
   </p:sldIdLst>
-  <p:sldSz cy="5143500" cx="9144000"/>
+  <p:sldSz cx="9144000" cy="5143500" type="screen16x9"/>
   <p:notesSz cx="6858000" cy="9144000"/>
   <p:defaultTextStyle>
-    <a:defPPr marR="0" rtl="0" algn="l">
+    <a:defPPr marR="0" algn="l" rtl="0">
       <a:lnSpc>
         <a:spcPct val="100000"/>
       </a:lnSpc>
@@ -35,7 +35,7 @@
         <a:spcPts val="0"/>
       </a:spcAft>
     </a:defPPr>
-    <a:lvl1pPr marR="0" rtl="0" algn="l">
+    <a:lvl1pPr marR="0" algn="l" rtl="0">
       <a:lnSpc>
         <a:spcPct val="100000"/>
       </a:lnSpc>
@@ -46,7 +46,7 @@
         <a:spcPts val="0"/>
       </a:spcAft>
       <a:buNone/>
-      <a:defRPr b="0" baseline="0" i="0" sz="1400" u="none" cap="none" strike="noStrike">
+      <a:defRPr sz="1400" b="0" i="0" u="none" strike="noStrike" cap="none" baseline="0">
         <a:solidFill>
           <a:srgbClr val="000000"/>
         </a:solidFill>
@@ -57,7 +57,7 @@
         <a:rtl val="0"/>
       </a:defRPr>
     </a:lvl1pPr>
-    <a:lvl2pPr marR="0" rtl="0" algn="l">
+    <a:lvl2pPr marR="0" algn="l" rtl="0">
       <a:lnSpc>
         <a:spcPct val="100000"/>
       </a:lnSpc>
@@ -68,7 +68,7 @@
         <a:spcPts val="0"/>
       </a:spcAft>
       <a:buNone/>
-      <a:defRPr b="0" baseline="0" i="0" sz="1400" u="none" cap="none" strike="noStrike">
+      <a:defRPr sz="1400" b="0" i="0" u="none" strike="noStrike" cap="none" baseline="0">
         <a:solidFill>
           <a:srgbClr val="000000"/>
         </a:solidFill>
@@ -79,7 +79,7 @@
         <a:rtl val="0"/>
       </a:defRPr>
     </a:lvl2pPr>
-    <a:lvl3pPr marR="0" rtl="0" algn="l">
+    <a:lvl3pPr marR="0" algn="l" rtl="0">
       <a:lnSpc>
         <a:spcPct val="100000"/>
       </a:lnSpc>
@@ -90,7 +90,7 @@
         <a:spcPts val="0"/>
       </a:spcAft>
       <a:buNone/>
-      <a:defRPr b="0" baseline="0" i="0" sz="1400" u="none" cap="none" strike="noStrike">
+      <a:defRPr sz="1400" b="0" i="0" u="none" strike="noStrike" cap="none" baseline="0">
         <a:solidFill>
           <a:srgbClr val="000000"/>
         </a:solidFill>
@@ -101,7 +101,7 @@
         <a:rtl val="0"/>
       </a:defRPr>
     </a:lvl3pPr>
-    <a:lvl4pPr marR="0" rtl="0" algn="l">
+    <a:lvl4pPr marR="0" algn="l" rtl="0">
       <a:lnSpc>
         <a:spcPct val="100000"/>
       </a:lnSpc>
@@ -112,7 +112,7 @@
         <a:spcPts val="0"/>
       </a:spcAft>
       <a:buNone/>
-      <a:defRPr b="0" baseline="0" i="0" sz="1400" u="none" cap="none" strike="noStrike">
+      <a:defRPr sz="1400" b="0" i="0" u="none" strike="noStrike" cap="none" baseline="0">
         <a:solidFill>
           <a:srgbClr val="000000"/>
         </a:solidFill>
@@ -123,7 +123,7 @@
         <a:rtl val="0"/>
       </a:defRPr>
     </a:lvl4pPr>
-    <a:lvl5pPr marR="0" rtl="0" algn="l">
+    <a:lvl5pPr marR="0" algn="l" rtl="0">
       <a:lnSpc>
         <a:spcPct val="100000"/>
       </a:lnSpc>
@@ -134,7 +134,7 @@
         <a:spcPts val="0"/>
       </a:spcAft>
       <a:buNone/>
-      <a:defRPr b="0" baseline="0" i="0" sz="1400" u="none" cap="none" strike="noStrike">
+      <a:defRPr sz="1400" b="0" i="0" u="none" strike="noStrike" cap="none" baseline="0">
         <a:solidFill>
           <a:srgbClr val="000000"/>
         </a:solidFill>
@@ -145,7 +145,7 @@
         <a:rtl val="0"/>
       </a:defRPr>
     </a:lvl5pPr>
-    <a:lvl6pPr marR="0" rtl="0" algn="l">
+    <a:lvl6pPr marR="0" algn="l" rtl="0">
       <a:lnSpc>
         <a:spcPct val="100000"/>
       </a:lnSpc>
@@ -156,7 +156,7 @@
         <a:spcPts val="0"/>
       </a:spcAft>
       <a:buNone/>
-      <a:defRPr b="0" baseline="0" i="0" sz="1400" u="none" cap="none" strike="noStrike">
+      <a:defRPr sz="1400" b="0" i="0" u="none" strike="noStrike" cap="none" baseline="0">
         <a:solidFill>
           <a:srgbClr val="000000"/>
         </a:solidFill>
@@ -167,7 +167,7 @@
         <a:rtl val="0"/>
       </a:defRPr>
     </a:lvl6pPr>
-    <a:lvl7pPr marR="0" rtl="0" algn="l">
+    <a:lvl7pPr marR="0" algn="l" rtl="0">
       <a:lnSpc>
         <a:spcPct val="100000"/>
       </a:lnSpc>
@@ -178,7 +178,7 @@
         <a:spcPts val="0"/>
       </a:spcAft>
       <a:buNone/>
-      <a:defRPr b="0" baseline="0" i="0" sz="1400" u="none" cap="none" strike="noStrike">
+      <a:defRPr sz="1400" b="0" i="0" u="none" strike="noStrike" cap="none" baseline="0">
         <a:solidFill>
           <a:srgbClr val="000000"/>
         </a:solidFill>
@@ -189,7 +189,7 @@
         <a:rtl val="0"/>
       </a:defRPr>
     </a:lvl7pPr>
-    <a:lvl8pPr marR="0" rtl="0" algn="l">
+    <a:lvl8pPr marR="0" algn="l" rtl="0">
       <a:lnSpc>
         <a:spcPct val="100000"/>
       </a:lnSpc>
@@ -200,7 +200,7 @@
         <a:spcPts val="0"/>
       </a:spcAft>
       <a:buNone/>
-      <a:defRPr b="0" baseline="0" i="0" sz="1400" u="none" cap="none" strike="noStrike">
+      <a:defRPr sz="1400" b="0" i="0" u="none" strike="noStrike" cap="none" baseline="0">
         <a:solidFill>
           <a:srgbClr val="000000"/>
         </a:solidFill>
@@ -211,7 +211,7 @@
         <a:rtl val="0"/>
       </a:defRPr>
     </a:lvl8pPr>
-    <a:lvl9pPr marR="0" rtl="0" algn="l">
+    <a:lvl9pPr marR="0" algn="l" rtl="0">
       <a:lnSpc>
         <a:spcPct val="100000"/>
       </a:lnSpc>
@@ -222,7 +222,7 @@
         <a:spcPts val="0"/>
       </a:spcAft>
       <a:buNone/>
-      <a:defRPr b="0" baseline="0" i="0" sz="1400" u="none" cap="none" strike="noStrike">
+      <a:defRPr sz="1400" b="0" i="0" u="none" strike="noStrike" cap="none" baseline="0">
         <a:solidFill>
           <a:srgbClr val="000000"/>
         </a:solidFill>
@@ -238,8 +238,13 @@
 </file>
 
 <file path=ppt/notesMasters/notesMaster1.xml><?xml version="1.0" encoding="utf-8"?>
-<p:notesMaster xmlns:a="http://schemas.openxmlformats.org/drawingml/2006/main" xmlns:r="http://schemas.openxmlformats.org/officeDocument/2006/relationships" xmlns:mc="http://schemas.openxmlformats.org/markup-compatibility/2006" xmlns:mv="urn:schemas-microsoft-com:mac:vml" xmlns:p="http://schemas.openxmlformats.org/presentationml/2006/main" xmlns:c="http://schemas.openxmlformats.org/drawingml/2006/chart" xmlns:dgm="http://schemas.openxmlformats.org/drawingml/2006/diagram" xmlns:o="urn:schemas-microsoft-com:office:office" xmlns:v="urn:schemas-microsoft-com:vml" xmlns:pvml="urn:schemas-microsoft-com:office:powerpoint" xmlns:com="http://schemas.openxmlformats.org/drawingml/2006/compatibility" xmlns:p14="http://schemas.microsoft.com/office/powerpoint/2010/main">
+<p:notesMaster xmlns:a="http://schemas.openxmlformats.org/drawingml/2006/main" xmlns:r="http://schemas.openxmlformats.org/officeDocument/2006/relationships" xmlns:p="http://schemas.openxmlformats.org/presentationml/2006/main">
   <p:cSld>
+    <p:bg>
+      <p:bgRef idx="1001">
+        <a:schemeClr val="bg1"/>
+      </p:bgRef>
+    </p:bg>
     <p:spTree>
       <p:nvGrpSpPr>
         <p:cNvPr id="1" name="Shape 1"/>
@@ -257,9 +262,11 @@
       <p:sp>
         <p:nvSpPr>
           <p:cNvPr id="2" name="Shape 2"/>
-          <p:cNvSpPr/>
+          <p:cNvSpPr>
+            <a:spLocks noGrp="1" noRot="1" noChangeAspect="1"/>
+          </p:cNvSpPr>
           <p:nvPr>
-            <p:ph idx="2" type="sldImg"/>
+            <p:ph type="sldImg" idx="2"/>
           </p:nvPr>
         </p:nvSpPr>
         <p:spPr>
@@ -268,8 +275,13 @@
             <a:ext cx="6096075" cy="3429000"/>
           </a:xfrm>
           <a:custGeom>
+            <a:avLst/>
+            <a:gdLst/>
+            <a:ahLst/>
+            <a:cxnLst/>
+            <a:rect l="0" t="0" r="0" b="0"/>
             <a:pathLst>
-              <a:path extrusionOk="0" h="120000" w="120000">
+              <a:path w="120000" h="120000" extrusionOk="0">
                 <a:moveTo>
                   <a:pt x="0" y="0"/>
                 </a:moveTo>
@@ -287,23 +299,25 @@
             </a:pathLst>
           </a:custGeom>
           <a:noFill/>
-          <a:ln cap="flat" cmpd="sng" w="9525">
+          <a:ln w="9525" cap="flat" cmpd="sng">
             <a:solidFill>
               <a:srgbClr val="000000"/>
             </a:solidFill>
             <a:prstDash val="solid"/>
             <a:round/>
-            <a:headEnd len="med" w="med" type="none"/>
-            <a:tailEnd len="med" w="med" type="none"/>
+            <a:headEnd type="none" w="med" len="med"/>
+            <a:tailEnd type="none" w="med" len="med"/>
           </a:ln>
         </p:spPr>
       </p:sp>
       <p:sp>
         <p:nvSpPr>
           <p:cNvPr id="3" name="Shape 3"/>
-          <p:cNvSpPr txBox="1"/>
+          <p:cNvSpPr txBox="1">
+            <a:spLocks noGrp="1"/>
+          </p:cNvSpPr>
           <p:nvPr>
-            <p:ph idx="1" type="body"/>
+            <p:ph type="body" idx="1"/>
           </p:nvPr>
         </p:nvSpPr>
         <p:spPr>
@@ -320,7 +334,7 @@
           </a:ln>
         </p:spPr>
         <p:txBody>
-          <a:bodyPr anchorCtr="0" anchor="t" bIns="91425" lIns="91425" rIns="91425" tIns="91425"/>
+          <a:bodyPr lIns="91425" tIns="91425" rIns="91425" bIns="91425" anchor="t" anchorCtr="0"/>
           <a:lstStyle>
             <a:lvl1pPr>
               <a:spcBef>
@@ -377,21 +391,120 @@
               <a:defRPr sz="1100"/>
             </a:lvl9pPr>
           </a:lstStyle>
-          <a:p/>
+          <a:p>
+            <a:endParaRPr/>
+          </a:p>
         </p:txBody>
       </p:sp>
     </p:spTree>
+    <p:extLst>
+      <p:ext uri="{BB962C8B-B14F-4D97-AF65-F5344CB8AC3E}">
+        <p14:creationId xmlns:p14="http://schemas.microsoft.com/office/powerpoint/2010/main" val="300982882"/>
+      </p:ext>
+    </p:extLst>
   </p:cSld>
-  <p:clrMap accent1="accent1" accent2="accent2" accent3="accent3" accent4="accent4" accent5="accent5" accent6="accent6" bg1="lt1" bg2="dk2" tx1="dk1" tx2="lt2" folHlink="folHlink" hlink="hlink"/>
+  <p:clrMap bg1="lt1" tx1="dk1" bg2="dk2" tx2="lt2" accent1="accent1" accent2="accent2" accent3="accent3" accent4="accent4" accent5="accent5" accent6="accent6" hlink="hlink" folHlink="folHlink"/>
+  <p:notesStyle>
+    <a:lvl1pPr marL="0" algn="l" defTabSz="914400" rtl="0" eaLnBrk="1" latinLnBrk="0" hangingPunct="1">
+      <a:defRPr sz="1200" kern="1200">
+        <a:solidFill>
+          <a:schemeClr val="tx1"/>
+        </a:solidFill>
+        <a:latin typeface="+mn-lt"/>
+        <a:ea typeface="+mn-ea"/>
+        <a:cs typeface="+mn-cs"/>
+      </a:defRPr>
+    </a:lvl1pPr>
+    <a:lvl2pPr marL="457200" algn="l" defTabSz="914400" rtl="0" eaLnBrk="1" latinLnBrk="0" hangingPunct="1">
+      <a:defRPr sz="1200" kern="1200">
+        <a:solidFill>
+          <a:schemeClr val="tx1"/>
+        </a:solidFill>
+        <a:latin typeface="+mn-lt"/>
+        <a:ea typeface="+mn-ea"/>
+        <a:cs typeface="+mn-cs"/>
+      </a:defRPr>
+    </a:lvl2pPr>
+    <a:lvl3pPr marL="914400" algn="l" defTabSz="914400" rtl="0" eaLnBrk="1" latinLnBrk="0" hangingPunct="1">
+      <a:defRPr sz="1200" kern="1200">
+        <a:solidFill>
+          <a:schemeClr val="tx1"/>
+        </a:solidFill>
+        <a:latin typeface="+mn-lt"/>
+        <a:ea typeface="+mn-ea"/>
+        <a:cs typeface="+mn-cs"/>
+      </a:defRPr>
+    </a:lvl3pPr>
+    <a:lvl4pPr marL="1371600" algn="l" defTabSz="914400" rtl="0" eaLnBrk="1" latinLnBrk="0" hangingPunct="1">
+      <a:defRPr sz="1200" kern="1200">
+        <a:solidFill>
+          <a:schemeClr val="tx1"/>
+        </a:solidFill>
+        <a:latin typeface="+mn-lt"/>
+        <a:ea typeface="+mn-ea"/>
+        <a:cs typeface="+mn-cs"/>
+      </a:defRPr>
+    </a:lvl4pPr>
+    <a:lvl5pPr marL="1828800" algn="l" defTabSz="914400" rtl="0" eaLnBrk="1" latinLnBrk="0" hangingPunct="1">
+      <a:defRPr sz="1200" kern="1200">
+        <a:solidFill>
+          <a:schemeClr val="tx1"/>
+        </a:solidFill>
+        <a:latin typeface="+mn-lt"/>
+        <a:ea typeface="+mn-ea"/>
+        <a:cs typeface="+mn-cs"/>
+      </a:defRPr>
+    </a:lvl5pPr>
+    <a:lvl6pPr marL="2286000" algn="l" defTabSz="914400" rtl="0" eaLnBrk="1" latinLnBrk="0" hangingPunct="1">
+      <a:defRPr sz="1200" kern="1200">
+        <a:solidFill>
+          <a:schemeClr val="tx1"/>
+        </a:solidFill>
+        <a:latin typeface="+mn-lt"/>
+        <a:ea typeface="+mn-ea"/>
+        <a:cs typeface="+mn-cs"/>
+      </a:defRPr>
+    </a:lvl6pPr>
+    <a:lvl7pPr marL="2743200" algn="l" defTabSz="914400" rtl="0" eaLnBrk="1" latinLnBrk="0" hangingPunct="1">
+      <a:defRPr sz="1200" kern="1200">
+        <a:solidFill>
+          <a:schemeClr val="tx1"/>
+        </a:solidFill>
+        <a:latin typeface="+mn-lt"/>
+        <a:ea typeface="+mn-ea"/>
+        <a:cs typeface="+mn-cs"/>
+      </a:defRPr>
+    </a:lvl7pPr>
+    <a:lvl8pPr marL="3200400" algn="l" defTabSz="914400" rtl="0" eaLnBrk="1" latinLnBrk="0" hangingPunct="1">
+      <a:defRPr sz="1200" kern="1200">
+        <a:solidFill>
+          <a:schemeClr val="tx1"/>
+        </a:solidFill>
+        <a:latin typeface="+mn-lt"/>
+        <a:ea typeface="+mn-ea"/>
+        <a:cs typeface="+mn-cs"/>
+      </a:defRPr>
+    </a:lvl8pPr>
+    <a:lvl9pPr marL="3657600" algn="l" defTabSz="914400" rtl="0" eaLnBrk="1" latinLnBrk="0" hangingPunct="1">
+      <a:defRPr sz="1200" kern="1200">
+        <a:solidFill>
+          <a:schemeClr val="tx1"/>
+        </a:solidFill>
+        <a:latin typeface="+mn-lt"/>
+        <a:ea typeface="+mn-ea"/>
+        <a:cs typeface="+mn-cs"/>
+      </a:defRPr>
+    </a:lvl9pPr>
+  </p:notesStyle>
 </p:notesMaster>
 </file>
 
 <file path=ppt/notesSlides/notesSlide1.xml><?xml version="1.0" encoding="utf-8"?>
-<p:notes xmlns:a="http://schemas.openxmlformats.org/drawingml/2006/main" xmlns:r="http://schemas.openxmlformats.org/officeDocument/2006/relationships" xmlns:mc="http://schemas.openxmlformats.org/markup-compatibility/2006" xmlns:mv="urn:schemas-microsoft-com:mac:vml" xmlns:p="http://schemas.openxmlformats.org/presentationml/2006/main" xmlns:c="http://schemas.openxmlformats.org/drawingml/2006/chart" xmlns:dgm="http://schemas.openxmlformats.org/drawingml/2006/diagram" xmlns:o="urn:schemas-microsoft-com:office:office" xmlns:v="urn:schemas-microsoft-com:vml" xmlns:pvml="urn:schemas-microsoft-com:office:powerpoint" xmlns:com="http://schemas.openxmlformats.org/drawingml/2006/compatibility" xmlns:p14="http://schemas.microsoft.com/office/powerpoint/2010/main" showMasterPhAnim="0" showMasterSp="0">
+<p:notes xmlns:a="http://schemas.openxmlformats.org/drawingml/2006/main" xmlns:r="http://schemas.openxmlformats.org/officeDocument/2006/relationships" xmlns:p="http://schemas.openxmlformats.org/presentationml/2006/main" showMasterSp="0" showMasterPhAnim="0">
   <p:cSld>
     <p:spTree>
       <p:nvGrpSpPr>
-        <p:cNvPr id="32" name="Shape 32"/>
+        <p:cNvPr id="1" name="Shape 32"/>
         <p:cNvGrpSpPr/>
         <p:nvPr/>
       </p:nvGrpSpPr>
@@ -406,9 +519,11 @@
       <p:sp>
         <p:nvSpPr>
           <p:cNvPr id="33" name="Shape 33"/>
-          <p:cNvSpPr/>
+          <p:cNvSpPr>
+            <a:spLocks noGrp="1" noRot="1" noChangeAspect="1"/>
+          </p:cNvSpPr>
           <p:nvPr>
-            <p:ph idx="2" type="sldImg"/>
+            <p:ph type="sldImg" idx="2"/>
           </p:nvPr>
         </p:nvSpPr>
         <p:spPr>
@@ -417,8 +532,13 @@
             <a:ext cx="6096075" cy="3429000"/>
           </a:xfrm>
           <a:custGeom>
+            <a:avLst/>
+            <a:gdLst/>
+            <a:ahLst/>
+            <a:cxnLst/>
+            <a:rect l="0" t="0" r="0" b="0"/>
             <a:pathLst>
-              <a:path extrusionOk="0" h="120000" w="120000">
+              <a:path w="120000" h="120000" extrusionOk="0">
                 <a:moveTo>
                   <a:pt x="0" y="0"/>
                 </a:moveTo>
@@ -436,23 +556,25 @@
             </a:pathLst>
           </a:custGeom>
           <a:noFill/>
-          <a:ln cap="flat" cmpd="sng" w="9525">
+          <a:ln w="9525" cap="flat" cmpd="sng">
             <a:solidFill>
               <a:srgbClr val="000000"/>
             </a:solidFill>
             <a:prstDash val="solid"/>
             <a:round/>
-            <a:headEnd len="med" w="med" type="none"/>
-            <a:tailEnd len="med" w="med" type="none"/>
+            <a:headEnd type="none" w="med" len="med"/>
+            <a:tailEnd type="none" w="med" len="med"/>
           </a:ln>
         </p:spPr>
       </p:sp>
       <p:sp>
         <p:nvSpPr>
           <p:cNvPr id="34" name="Shape 34"/>
-          <p:cNvSpPr txBox="1"/>
+          <p:cNvSpPr txBox="1">
+            <a:spLocks noGrp="1"/>
+          </p:cNvSpPr>
           <p:nvPr>
-            <p:ph idx="1" type="body"/>
+            <p:ph type="body" idx="1"/>
           </p:nvPr>
         </p:nvSpPr>
         <p:spPr>
@@ -465,7 +587,7 @@
           </a:prstGeom>
         </p:spPr>
         <p:txBody>
-          <a:bodyPr anchorCtr="0" anchor="t" bIns="91425" lIns="91425" rIns="91425" tIns="91425">
+          <a:bodyPr lIns="91425" tIns="91425" rIns="91425" bIns="91425" anchor="t" anchorCtr="0">
             <a:noAutofit/>
           </a:bodyPr>
           <a:lstStyle/>
@@ -476,14 +598,16 @@
               </a:spcBef>
               <a:buNone/>
             </a:pPr>
-            <a:r>
-              <a:t/>
-            </a:r>
             <a:endParaRPr/>
           </a:p>
         </p:txBody>
       </p:sp>
     </p:spTree>
+    <p:extLst>
+      <p:ext uri="{BB962C8B-B14F-4D97-AF65-F5344CB8AC3E}">
+        <p14:creationId xmlns:p14="http://schemas.microsoft.com/office/powerpoint/2010/main" val="523519703"/>
+      </p:ext>
+    </p:extLst>
   </p:cSld>
   <p:clrMapOvr>
     <a:masterClrMapping/>
@@ -492,11 +616,11 @@
 </file>
 
 <file path=ppt/notesSlides/notesSlide10.xml><?xml version="1.0" encoding="utf-8"?>
-<p:notes xmlns:a="http://schemas.openxmlformats.org/drawingml/2006/main" xmlns:r="http://schemas.openxmlformats.org/officeDocument/2006/relationships" xmlns:mc="http://schemas.openxmlformats.org/markup-compatibility/2006" xmlns:mv="urn:schemas-microsoft-com:mac:vml" xmlns:p="http://schemas.openxmlformats.org/presentationml/2006/main" xmlns:c="http://schemas.openxmlformats.org/drawingml/2006/chart" xmlns:dgm="http://schemas.openxmlformats.org/drawingml/2006/diagram" xmlns:o="urn:schemas-microsoft-com:office:office" xmlns:v="urn:schemas-microsoft-com:vml" xmlns:pvml="urn:schemas-microsoft-com:office:powerpoint" xmlns:com="http://schemas.openxmlformats.org/drawingml/2006/compatibility" xmlns:p14="http://schemas.microsoft.com/office/powerpoint/2010/main" showMasterPhAnim="0" showMasterSp="0">
+<p:notes xmlns:a="http://schemas.openxmlformats.org/drawingml/2006/main" xmlns:r="http://schemas.openxmlformats.org/officeDocument/2006/relationships" xmlns:p="http://schemas.openxmlformats.org/presentationml/2006/main" showMasterSp="0" showMasterPhAnim="0">
   <p:cSld>
     <p:spTree>
       <p:nvGrpSpPr>
-        <p:cNvPr id="88" name="Shape 88"/>
+        <p:cNvPr id="1" name="Shape 88"/>
         <p:cNvGrpSpPr/>
         <p:nvPr/>
       </p:nvGrpSpPr>
@@ -511,9 +635,11 @@
       <p:sp>
         <p:nvSpPr>
           <p:cNvPr id="89" name="Shape 89"/>
-          <p:cNvSpPr/>
+          <p:cNvSpPr>
+            <a:spLocks noGrp="1" noRot="1" noChangeAspect="1"/>
+          </p:cNvSpPr>
           <p:nvPr>
-            <p:ph idx="2" type="sldImg"/>
+            <p:ph type="sldImg" idx="2"/>
           </p:nvPr>
         </p:nvSpPr>
         <p:spPr>
@@ -522,8 +648,13 @@
             <a:ext cx="6096000" cy="3429000"/>
           </a:xfrm>
           <a:custGeom>
+            <a:avLst/>
+            <a:gdLst/>
+            <a:ahLst/>
+            <a:cxnLst/>
+            <a:rect l="0" t="0" r="0" b="0"/>
             <a:pathLst>
-              <a:path extrusionOk="0" h="120000" w="120000">
+              <a:path w="120000" h="120000" extrusionOk="0">
                 <a:moveTo>
                   <a:pt x="0" y="0"/>
                 </a:moveTo>
@@ -541,23 +672,25 @@
             </a:pathLst>
           </a:custGeom>
           <a:noFill/>
-          <a:ln cap="flat" cmpd="sng" w="9525">
+          <a:ln w="9525" cap="flat" cmpd="sng">
             <a:solidFill>
               <a:srgbClr val="000000"/>
             </a:solidFill>
             <a:prstDash val="solid"/>
             <a:round/>
-            <a:headEnd len="med" w="med" type="none"/>
-            <a:tailEnd len="med" w="med" type="none"/>
+            <a:headEnd type="none" w="med" len="med"/>
+            <a:tailEnd type="none" w="med" len="med"/>
           </a:ln>
         </p:spPr>
       </p:sp>
       <p:sp>
         <p:nvSpPr>
           <p:cNvPr id="90" name="Shape 90"/>
-          <p:cNvSpPr txBox="1"/>
+          <p:cNvSpPr txBox="1">
+            <a:spLocks noGrp="1"/>
+          </p:cNvSpPr>
           <p:nvPr>
-            <p:ph idx="1" type="body"/>
+            <p:ph type="body" idx="1"/>
           </p:nvPr>
         </p:nvSpPr>
         <p:spPr>
@@ -570,7 +703,7 @@
           </a:prstGeom>
         </p:spPr>
         <p:txBody>
-          <a:bodyPr anchorCtr="0" anchor="t" bIns="91425" lIns="91425" rIns="91425" tIns="91425">
+          <a:bodyPr lIns="91425" tIns="91425" rIns="91425" bIns="91425" anchor="t" anchorCtr="0">
             <a:noAutofit/>
           </a:bodyPr>
           <a:lstStyle/>
@@ -581,14 +714,16 @@
               </a:spcBef>
               <a:buNone/>
             </a:pPr>
-            <a:r>
-              <a:t/>
-            </a:r>
             <a:endParaRPr/>
           </a:p>
         </p:txBody>
       </p:sp>
     </p:spTree>
+    <p:extLst>
+      <p:ext uri="{BB962C8B-B14F-4D97-AF65-F5344CB8AC3E}">
+        <p14:creationId xmlns:p14="http://schemas.microsoft.com/office/powerpoint/2010/main" val="1507213108"/>
+      </p:ext>
+    </p:extLst>
   </p:cSld>
   <p:clrMapOvr>
     <a:masterClrMapping/>
@@ -597,11 +732,11 @@
 </file>
 
 <file path=ppt/notesSlides/notesSlide11.xml><?xml version="1.0" encoding="utf-8"?>
-<p:notes xmlns:a="http://schemas.openxmlformats.org/drawingml/2006/main" xmlns:r="http://schemas.openxmlformats.org/officeDocument/2006/relationships" xmlns:mc="http://schemas.openxmlformats.org/markup-compatibility/2006" xmlns:mv="urn:schemas-microsoft-com:mac:vml" xmlns:p="http://schemas.openxmlformats.org/presentationml/2006/main" xmlns:c="http://schemas.openxmlformats.org/drawingml/2006/chart" xmlns:dgm="http://schemas.openxmlformats.org/drawingml/2006/diagram" xmlns:o="urn:schemas-microsoft-com:office:office" xmlns:v="urn:schemas-microsoft-com:vml" xmlns:pvml="urn:schemas-microsoft-com:office:powerpoint" xmlns:com="http://schemas.openxmlformats.org/drawingml/2006/compatibility" xmlns:p14="http://schemas.microsoft.com/office/powerpoint/2010/main" showMasterPhAnim="0" showMasterSp="0">
+<p:notes xmlns:a="http://schemas.openxmlformats.org/drawingml/2006/main" xmlns:r="http://schemas.openxmlformats.org/officeDocument/2006/relationships" xmlns:p="http://schemas.openxmlformats.org/presentationml/2006/main" showMasterSp="0" showMasterPhAnim="0">
   <p:cSld>
     <p:spTree>
       <p:nvGrpSpPr>
-        <p:cNvPr id="95" name="Shape 95"/>
+        <p:cNvPr id="1" name="Shape 95"/>
         <p:cNvGrpSpPr/>
         <p:nvPr/>
       </p:nvGrpSpPr>
@@ -616,9 +751,11 @@
       <p:sp>
         <p:nvSpPr>
           <p:cNvPr id="96" name="Shape 96"/>
-          <p:cNvSpPr/>
+          <p:cNvSpPr>
+            <a:spLocks noGrp="1" noRot="1" noChangeAspect="1"/>
+          </p:cNvSpPr>
           <p:nvPr>
-            <p:ph idx="2" type="sldImg"/>
+            <p:ph type="sldImg" idx="2"/>
           </p:nvPr>
         </p:nvSpPr>
         <p:spPr>
@@ -627,8 +764,13 @@
             <a:ext cx="6096000" cy="3429000"/>
           </a:xfrm>
           <a:custGeom>
+            <a:avLst/>
+            <a:gdLst/>
+            <a:ahLst/>
+            <a:cxnLst/>
+            <a:rect l="0" t="0" r="0" b="0"/>
             <a:pathLst>
-              <a:path extrusionOk="0" h="120000" w="120000">
+              <a:path w="120000" h="120000" extrusionOk="0">
                 <a:moveTo>
                   <a:pt x="0" y="0"/>
                 </a:moveTo>
@@ -646,23 +788,25 @@
             </a:pathLst>
           </a:custGeom>
           <a:noFill/>
-          <a:ln cap="flat" cmpd="sng" w="9525">
+          <a:ln w="9525" cap="flat" cmpd="sng">
             <a:solidFill>
               <a:srgbClr val="000000"/>
             </a:solidFill>
             <a:prstDash val="solid"/>
             <a:round/>
-            <a:headEnd len="med" w="med" type="none"/>
-            <a:tailEnd len="med" w="med" type="none"/>
+            <a:headEnd type="none" w="med" len="med"/>
+            <a:tailEnd type="none" w="med" len="med"/>
           </a:ln>
         </p:spPr>
       </p:sp>
       <p:sp>
         <p:nvSpPr>
           <p:cNvPr id="97" name="Shape 97"/>
-          <p:cNvSpPr txBox="1"/>
+          <p:cNvSpPr txBox="1">
+            <a:spLocks noGrp="1"/>
+          </p:cNvSpPr>
           <p:nvPr>
-            <p:ph idx="1" type="body"/>
+            <p:ph type="body" idx="1"/>
           </p:nvPr>
         </p:nvSpPr>
         <p:spPr>
@@ -675,7 +819,7 @@
           </a:prstGeom>
         </p:spPr>
         <p:txBody>
-          <a:bodyPr anchorCtr="0" anchor="t" bIns="91425" lIns="91425" rIns="91425" tIns="91425">
+          <a:bodyPr lIns="91425" tIns="91425" rIns="91425" bIns="91425" anchor="t" anchorCtr="0">
             <a:noAutofit/>
           </a:bodyPr>
           <a:lstStyle/>
@@ -686,14 +830,16 @@
               </a:spcBef>
               <a:buNone/>
             </a:pPr>
-            <a:r>
-              <a:t/>
-            </a:r>
             <a:endParaRPr/>
           </a:p>
         </p:txBody>
       </p:sp>
     </p:spTree>
+    <p:extLst>
+      <p:ext uri="{BB962C8B-B14F-4D97-AF65-F5344CB8AC3E}">
+        <p14:creationId xmlns:p14="http://schemas.microsoft.com/office/powerpoint/2010/main" val="2577494783"/>
+      </p:ext>
+    </p:extLst>
   </p:cSld>
   <p:clrMapOvr>
     <a:masterClrMapping/>
@@ -702,11 +848,11 @@
 </file>
 
 <file path=ppt/notesSlides/notesSlide12.xml><?xml version="1.0" encoding="utf-8"?>
-<p:notes xmlns:a="http://schemas.openxmlformats.org/drawingml/2006/main" xmlns:r="http://schemas.openxmlformats.org/officeDocument/2006/relationships" xmlns:mc="http://schemas.openxmlformats.org/markup-compatibility/2006" xmlns:mv="urn:schemas-microsoft-com:mac:vml" xmlns:p="http://schemas.openxmlformats.org/presentationml/2006/main" xmlns:c="http://schemas.openxmlformats.org/drawingml/2006/chart" xmlns:dgm="http://schemas.openxmlformats.org/drawingml/2006/diagram" xmlns:o="urn:schemas-microsoft-com:office:office" xmlns:v="urn:schemas-microsoft-com:vml" xmlns:pvml="urn:schemas-microsoft-com:office:powerpoint" xmlns:com="http://schemas.openxmlformats.org/drawingml/2006/compatibility" xmlns:p14="http://schemas.microsoft.com/office/powerpoint/2010/main" showMasterPhAnim="0" showMasterSp="0">
+<p:notes xmlns:a="http://schemas.openxmlformats.org/drawingml/2006/main" xmlns:r="http://schemas.openxmlformats.org/officeDocument/2006/relationships" xmlns:p="http://schemas.openxmlformats.org/presentationml/2006/main" showMasterSp="0" showMasterPhAnim="0">
   <p:cSld>
     <p:spTree>
       <p:nvGrpSpPr>
-        <p:cNvPr id="106" name="Shape 106"/>
+        <p:cNvPr id="1" name="Shape 106"/>
         <p:cNvGrpSpPr/>
         <p:nvPr/>
       </p:nvGrpSpPr>
@@ -721,19 +867,26 @@
       <p:sp>
         <p:nvSpPr>
           <p:cNvPr id="107" name="Shape 107"/>
-          <p:cNvSpPr/>
+          <p:cNvSpPr>
+            <a:spLocks noGrp="1" noRot="1" noChangeAspect="1"/>
+          </p:cNvSpPr>
           <p:nvPr>
-            <p:ph idx="2" type="sldImg"/>
+            <p:ph type="sldImg" idx="2"/>
           </p:nvPr>
         </p:nvSpPr>
         <p:spPr>
           <a:xfrm>
-            <a:off x="381300" y="685800"/>
+            <a:off x="381000" y="685800"/>
             <a:ext cx="6096000" cy="3429000"/>
           </a:xfrm>
           <a:custGeom>
+            <a:avLst/>
+            <a:gdLst/>
+            <a:ahLst/>
+            <a:cxnLst/>
+            <a:rect l="0" t="0" r="0" b="0"/>
             <a:pathLst>
-              <a:path extrusionOk="0" h="120000" w="120000">
+              <a:path w="120000" h="120000" extrusionOk="0">
                 <a:moveTo>
                   <a:pt x="0" y="0"/>
                 </a:moveTo>
@@ -751,23 +904,25 @@
             </a:pathLst>
           </a:custGeom>
           <a:noFill/>
-          <a:ln cap="flat" cmpd="sng" w="9525">
+          <a:ln w="9525" cap="flat" cmpd="sng">
             <a:solidFill>
               <a:srgbClr val="000000"/>
             </a:solidFill>
             <a:prstDash val="solid"/>
             <a:round/>
-            <a:headEnd len="med" w="med" type="none"/>
-            <a:tailEnd len="med" w="med" type="none"/>
+            <a:headEnd type="none" w="med" len="med"/>
+            <a:tailEnd type="none" w="med" len="med"/>
           </a:ln>
         </p:spPr>
       </p:sp>
       <p:sp>
         <p:nvSpPr>
           <p:cNvPr id="108" name="Shape 108"/>
-          <p:cNvSpPr txBox="1"/>
+          <p:cNvSpPr txBox="1">
+            <a:spLocks noGrp="1"/>
+          </p:cNvSpPr>
           <p:nvPr>
-            <p:ph idx="1" type="body"/>
+            <p:ph type="body" idx="1"/>
           </p:nvPr>
         </p:nvSpPr>
         <p:spPr>
@@ -780,7 +935,7 @@
           </a:prstGeom>
         </p:spPr>
         <p:txBody>
-          <a:bodyPr anchorCtr="0" anchor="t" bIns="91425" lIns="91425" rIns="91425" tIns="91425">
+          <a:bodyPr lIns="91425" tIns="91425" rIns="91425" bIns="91425" anchor="t" anchorCtr="0">
             <a:noAutofit/>
           </a:bodyPr>
           <a:lstStyle/>
@@ -791,14 +946,16 @@
               </a:spcBef>
               <a:buNone/>
             </a:pPr>
-            <a:r>
-              <a:t/>
-            </a:r>
             <a:endParaRPr/>
           </a:p>
         </p:txBody>
       </p:sp>
     </p:spTree>
+    <p:extLst>
+      <p:ext uri="{BB962C8B-B14F-4D97-AF65-F5344CB8AC3E}">
+        <p14:creationId xmlns:p14="http://schemas.microsoft.com/office/powerpoint/2010/main" val="3461876778"/>
+      </p:ext>
+    </p:extLst>
   </p:cSld>
   <p:clrMapOvr>
     <a:masterClrMapping/>
@@ -807,11 +964,11 @@
 </file>
 
 <file path=ppt/notesSlides/notesSlide2.xml><?xml version="1.0" encoding="utf-8"?>
-<p:notes xmlns:a="http://schemas.openxmlformats.org/drawingml/2006/main" xmlns:r="http://schemas.openxmlformats.org/officeDocument/2006/relationships" xmlns:mc="http://schemas.openxmlformats.org/markup-compatibility/2006" xmlns:mv="urn:schemas-microsoft-com:mac:vml" xmlns:p="http://schemas.openxmlformats.org/presentationml/2006/main" xmlns:c="http://schemas.openxmlformats.org/drawingml/2006/chart" xmlns:dgm="http://schemas.openxmlformats.org/drawingml/2006/diagram" xmlns:o="urn:schemas-microsoft-com:office:office" xmlns:v="urn:schemas-microsoft-com:vml" xmlns:pvml="urn:schemas-microsoft-com:office:powerpoint" xmlns:com="http://schemas.openxmlformats.org/drawingml/2006/compatibility" xmlns:p14="http://schemas.microsoft.com/office/powerpoint/2010/main" showMasterPhAnim="0" showMasterSp="0">
+<p:notes xmlns:a="http://schemas.openxmlformats.org/drawingml/2006/main" xmlns:r="http://schemas.openxmlformats.org/officeDocument/2006/relationships" xmlns:p="http://schemas.openxmlformats.org/presentationml/2006/main" showMasterSp="0" showMasterPhAnim="0">
   <p:cSld>
     <p:spTree>
       <p:nvGrpSpPr>
-        <p:cNvPr id="38" name="Shape 38"/>
+        <p:cNvPr id="1" name="Shape 38"/>
         <p:cNvGrpSpPr/>
         <p:nvPr/>
       </p:nvGrpSpPr>
@@ -826,9 +983,11 @@
       <p:sp>
         <p:nvSpPr>
           <p:cNvPr id="39" name="Shape 39"/>
-          <p:cNvSpPr/>
+          <p:cNvSpPr>
+            <a:spLocks noGrp="1" noRot="1" noChangeAspect="1"/>
+          </p:cNvSpPr>
           <p:nvPr>
-            <p:ph idx="2" type="sldImg"/>
+            <p:ph type="sldImg" idx="2"/>
           </p:nvPr>
         </p:nvSpPr>
         <p:spPr>
@@ -837,8 +996,13 @@
             <a:ext cx="6096000" cy="3429000"/>
           </a:xfrm>
           <a:custGeom>
+            <a:avLst/>
+            <a:gdLst/>
+            <a:ahLst/>
+            <a:cxnLst/>
+            <a:rect l="0" t="0" r="0" b="0"/>
             <a:pathLst>
-              <a:path extrusionOk="0" h="120000" w="120000">
+              <a:path w="120000" h="120000" extrusionOk="0">
                 <a:moveTo>
                   <a:pt x="0" y="0"/>
                 </a:moveTo>
@@ -856,23 +1020,25 @@
             </a:pathLst>
           </a:custGeom>
           <a:noFill/>
-          <a:ln cap="flat" cmpd="sng" w="9525">
+          <a:ln w="9525" cap="flat" cmpd="sng">
             <a:solidFill>
               <a:srgbClr val="000000"/>
             </a:solidFill>
             <a:prstDash val="solid"/>
             <a:round/>
-            <a:headEnd len="med" w="med" type="none"/>
-            <a:tailEnd len="med" w="med" type="none"/>
+            <a:headEnd type="none" w="med" len="med"/>
+            <a:tailEnd type="none" w="med" len="med"/>
           </a:ln>
         </p:spPr>
       </p:sp>
       <p:sp>
         <p:nvSpPr>
           <p:cNvPr id="40" name="Shape 40"/>
-          <p:cNvSpPr txBox="1"/>
+          <p:cNvSpPr txBox="1">
+            <a:spLocks noGrp="1"/>
+          </p:cNvSpPr>
           <p:nvPr>
-            <p:ph idx="1" type="body"/>
+            <p:ph type="body" idx="1"/>
           </p:nvPr>
         </p:nvSpPr>
         <p:spPr>
@@ -885,7 +1051,7 @@
           </a:prstGeom>
         </p:spPr>
         <p:txBody>
-          <a:bodyPr anchorCtr="0" anchor="t" bIns="91425" lIns="91425" rIns="91425" tIns="91425">
+          <a:bodyPr lIns="91425" tIns="91425" rIns="91425" bIns="91425" anchor="t" anchorCtr="0">
             <a:noAutofit/>
           </a:bodyPr>
           <a:lstStyle/>
@@ -896,14 +1062,16 @@
               </a:spcBef>
               <a:buNone/>
             </a:pPr>
-            <a:r>
-              <a:t/>
-            </a:r>
             <a:endParaRPr/>
           </a:p>
         </p:txBody>
       </p:sp>
     </p:spTree>
+    <p:extLst>
+      <p:ext uri="{BB962C8B-B14F-4D97-AF65-F5344CB8AC3E}">
+        <p14:creationId xmlns:p14="http://schemas.microsoft.com/office/powerpoint/2010/main" val="1837422453"/>
+      </p:ext>
+    </p:extLst>
   </p:cSld>
   <p:clrMapOvr>
     <a:masterClrMapping/>
@@ -912,11 +1080,11 @@
 </file>
 
 <file path=ppt/notesSlides/notesSlide3.xml><?xml version="1.0" encoding="utf-8"?>
-<p:notes xmlns:a="http://schemas.openxmlformats.org/drawingml/2006/main" xmlns:r="http://schemas.openxmlformats.org/officeDocument/2006/relationships" xmlns:mc="http://schemas.openxmlformats.org/markup-compatibility/2006" xmlns:mv="urn:schemas-microsoft-com:mac:vml" xmlns:p="http://schemas.openxmlformats.org/presentationml/2006/main" xmlns:c="http://schemas.openxmlformats.org/drawingml/2006/chart" xmlns:dgm="http://schemas.openxmlformats.org/drawingml/2006/diagram" xmlns:o="urn:schemas-microsoft-com:office:office" xmlns:v="urn:schemas-microsoft-com:vml" xmlns:pvml="urn:schemas-microsoft-com:office:powerpoint" xmlns:com="http://schemas.openxmlformats.org/drawingml/2006/compatibility" xmlns:p14="http://schemas.microsoft.com/office/powerpoint/2010/main" showMasterPhAnim="0" showMasterSp="0">
+<p:notes xmlns:a="http://schemas.openxmlformats.org/drawingml/2006/main" xmlns:r="http://schemas.openxmlformats.org/officeDocument/2006/relationships" xmlns:p="http://schemas.openxmlformats.org/presentationml/2006/main" showMasterSp="0" showMasterPhAnim="0">
   <p:cSld>
     <p:spTree>
       <p:nvGrpSpPr>
-        <p:cNvPr id="44" name="Shape 44"/>
+        <p:cNvPr id="1" name="Shape 44"/>
         <p:cNvGrpSpPr/>
         <p:nvPr/>
       </p:nvGrpSpPr>
@@ -931,9 +1099,11 @@
       <p:sp>
         <p:nvSpPr>
           <p:cNvPr id="45" name="Shape 45"/>
-          <p:cNvSpPr/>
+          <p:cNvSpPr>
+            <a:spLocks noGrp="1" noRot="1" noChangeAspect="1"/>
+          </p:cNvSpPr>
           <p:nvPr>
-            <p:ph idx="2" type="sldImg"/>
+            <p:ph type="sldImg" idx="2"/>
           </p:nvPr>
         </p:nvSpPr>
         <p:spPr>
@@ -942,8 +1112,13 @@
             <a:ext cx="6096000" cy="3429000"/>
           </a:xfrm>
           <a:custGeom>
+            <a:avLst/>
+            <a:gdLst/>
+            <a:ahLst/>
+            <a:cxnLst/>
+            <a:rect l="0" t="0" r="0" b="0"/>
             <a:pathLst>
-              <a:path extrusionOk="0" h="120000" w="120000">
+              <a:path w="120000" h="120000" extrusionOk="0">
                 <a:moveTo>
                   <a:pt x="0" y="0"/>
                 </a:moveTo>
@@ -961,23 +1136,25 @@
             </a:pathLst>
           </a:custGeom>
           <a:noFill/>
-          <a:ln cap="flat" cmpd="sng" w="9525">
+          <a:ln w="9525" cap="flat" cmpd="sng">
             <a:solidFill>
               <a:srgbClr val="000000"/>
             </a:solidFill>
             <a:prstDash val="solid"/>
             <a:round/>
-            <a:headEnd len="med" w="med" type="none"/>
-            <a:tailEnd len="med" w="med" type="none"/>
+            <a:headEnd type="none" w="med" len="med"/>
+            <a:tailEnd type="none" w="med" len="med"/>
           </a:ln>
         </p:spPr>
       </p:sp>
       <p:sp>
         <p:nvSpPr>
           <p:cNvPr id="46" name="Shape 46"/>
-          <p:cNvSpPr txBox="1"/>
+          <p:cNvSpPr txBox="1">
+            <a:spLocks noGrp="1"/>
+          </p:cNvSpPr>
           <p:nvPr>
-            <p:ph idx="1" type="body"/>
+            <p:ph type="body" idx="1"/>
           </p:nvPr>
         </p:nvSpPr>
         <p:spPr>
@@ -990,7 +1167,7 @@
           </a:prstGeom>
         </p:spPr>
         <p:txBody>
-          <a:bodyPr anchorCtr="0" anchor="t" bIns="91425" lIns="91425" rIns="91425" tIns="91425">
+          <a:bodyPr lIns="91425" tIns="91425" rIns="91425" bIns="91425" anchor="t" anchorCtr="0">
             <a:noAutofit/>
           </a:bodyPr>
           <a:lstStyle/>
@@ -1001,14 +1178,16 @@
               </a:spcBef>
               <a:buNone/>
             </a:pPr>
-            <a:r>
-              <a:t/>
-            </a:r>
             <a:endParaRPr/>
           </a:p>
         </p:txBody>
       </p:sp>
     </p:spTree>
+    <p:extLst>
+      <p:ext uri="{BB962C8B-B14F-4D97-AF65-F5344CB8AC3E}">
+        <p14:creationId xmlns:p14="http://schemas.microsoft.com/office/powerpoint/2010/main" val="1327312170"/>
+      </p:ext>
+    </p:extLst>
   </p:cSld>
   <p:clrMapOvr>
     <a:masterClrMapping/>
@@ -1017,11 +1196,11 @@
 </file>
 
 <file path=ppt/notesSlides/notesSlide4.xml><?xml version="1.0" encoding="utf-8"?>
-<p:notes xmlns:a="http://schemas.openxmlformats.org/drawingml/2006/main" xmlns:r="http://schemas.openxmlformats.org/officeDocument/2006/relationships" xmlns:mc="http://schemas.openxmlformats.org/markup-compatibility/2006" xmlns:mv="urn:schemas-microsoft-com:mac:vml" xmlns:p="http://schemas.openxmlformats.org/presentationml/2006/main" xmlns:c="http://schemas.openxmlformats.org/drawingml/2006/chart" xmlns:dgm="http://schemas.openxmlformats.org/drawingml/2006/diagram" xmlns:o="urn:schemas-microsoft-com:office:office" xmlns:v="urn:schemas-microsoft-com:vml" xmlns:pvml="urn:schemas-microsoft-com:office:powerpoint" xmlns:com="http://schemas.openxmlformats.org/drawingml/2006/compatibility" xmlns:p14="http://schemas.microsoft.com/office/powerpoint/2010/main" showMasterPhAnim="0" showMasterSp="0">
+<p:notes xmlns:a="http://schemas.openxmlformats.org/drawingml/2006/main" xmlns:r="http://schemas.openxmlformats.org/officeDocument/2006/relationships" xmlns:p="http://schemas.openxmlformats.org/presentationml/2006/main" showMasterSp="0" showMasterPhAnim="0">
   <p:cSld>
     <p:spTree>
       <p:nvGrpSpPr>
-        <p:cNvPr id="50" name="Shape 50"/>
+        <p:cNvPr id="1" name="Shape 50"/>
         <p:cNvGrpSpPr/>
         <p:nvPr/>
       </p:nvGrpSpPr>
@@ -1036,9 +1215,11 @@
       <p:sp>
         <p:nvSpPr>
           <p:cNvPr id="51" name="Shape 51"/>
-          <p:cNvSpPr/>
+          <p:cNvSpPr>
+            <a:spLocks noGrp="1" noRot="1" noChangeAspect="1"/>
+          </p:cNvSpPr>
           <p:nvPr>
-            <p:ph idx="2" type="sldImg"/>
+            <p:ph type="sldImg" idx="2"/>
           </p:nvPr>
         </p:nvSpPr>
         <p:spPr>
@@ -1047,8 +1228,13 @@
             <a:ext cx="6096000" cy="3429000"/>
           </a:xfrm>
           <a:custGeom>
+            <a:avLst/>
+            <a:gdLst/>
+            <a:ahLst/>
+            <a:cxnLst/>
+            <a:rect l="0" t="0" r="0" b="0"/>
             <a:pathLst>
-              <a:path extrusionOk="0" h="120000" w="120000">
+              <a:path w="120000" h="120000" extrusionOk="0">
                 <a:moveTo>
                   <a:pt x="0" y="0"/>
                 </a:moveTo>
@@ -1066,23 +1252,25 @@
             </a:pathLst>
           </a:custGeom>
           <a:noFill/>
-          <a:ln cap="flat" cmpd="sng" w="9525">
+          <a:ln w="9525" cap="flat" cmpd="sng">
             <a:solidFill>
               <a:srgbClr val="000000"/>
             </a:solidFill>
             <a:prstDash val="solid"/>
             <a:round/>
-            <a:headEnd len="med" w="med" type="none"/>
-            <a:tailEnd len="med" w="med" type="none"/>
+            <a:headEnd type="none" w="med" len="med"/>
+            <a:tailEnd type="none" w="med" len="med"/>
           </a:ln>
         </p:spPr>
       </p:sp>
       <p:sp>
         <p:nvSpPr>
           <p:cNvPr id="52" name="Shape 52"/>
-          <p:cNvSpPr txBox="1"/>
+          <p:cNvSpPr txBox="1">
+            <a:spLocks noGrp="1"/>
+          </p:cNvSpPr>
           <p:nvPr>
-            <p:ph idx="1" type="body"/>
+            <p:ph type="body" idx="1"/>
           </p:nvPr>
         </p:nvSpPr>
         <p:spPr>
@@ -1095,7 +1283,7 @@
           </a:prstGeom>
         </p:spPr>
         <p:txBody>
-          <a:bodyPr anchorCtr="0" anchor="t" bIns="91425" lIns="91425" rIns="91425" tIns="91425">
+          <a:bodyPr lIns="91425" tIns="91425" rIns="91425" bIns="91425" anchor="t" anchorCtr="0">
             <a:noAutofit/>
           </a:bodyPr>
           <a:lstStyle/>
@@ -1106,14 +1294,16 @@
               </a:spcBef>
               <a:buNone/>
             </a:pPr>
-            <a:r>
-              <a:t/>
-            </a:r>
             <a:endParaRPr/>
           </a:p>
         </p:txBody>
       </p:sp>
     </p:spTree>
+    <p:extLst>
+      <p:ext uri="{BB962C8B-B14F-4D97-AF65-F5344CB8AC3E}">
+        <p14:creationId xmlns:p14="http://schemas.microsoft.com/office/powerpoint/2010/main" val="1266376741"/>
+      </p:ext>
+    </p:extLst>
   </p:cSld>
   <p:clrMapOvr>
     <a:masterClrMapping/>
@@ -1122,11 +1312,11 @@
 </file>
 
 <file path=ppt/notesSlides/notesSlide5.xml><?xml version="1.0" encoding="utf-8"?>
-<p:notes xmlns:a="http://schemas.openxmlformats.org/drawingml/2006/main" xmlns:r="http://schemas.openxmlformats.org/officeDocument/2006/relationships" xmlns:mc="http://schemas.openxmlformats.org/markup-compatibility/2006" xmlns:mv="urn:schemas-microsoft-com:mac:vml" xmlns:p="http://schemas.openxmlformats.org/presentationml/2006/main" xmlns:c="http://schemas.openxmlformats.org/drawingml/2006/chart" xmlns:dgm="http://schemas.openxmlformats.org/drawingml/2006/diagram" xmlns:o="urn:schemas-microsoft-com:office:office" xmlns:v="urn:schemas-microsoft-com:vml" xmlns:pvml="urn:schemas-microsoft-com:office:powerpoint" xmlns:com="http://schemas.openxmlformats.org/drawingml/2006/compatibility" xmlns:p14="http://schemas.microsoft.com/office/powerpoint/2010/main" showMasterPhAnim="0" showMasterSp="0">
+<p:notes xmlns:a="http://schemas.openxmlformats.org/drawingml/2006/main" xmlns:r="http://schemas.openxmlformats.org/officeDocument/2006/relationships" xmlns:p="http://schemas.openxmlformats.org/presentationml/2006/main" showMasterSp="0" showMasterPhAnim="0">
   <p:cSld>
     <p:spTree>
       <p:nvGrpSpPr>
-        <p:cNvPr id="56" name="Shape 56"/>
+        <p:cNvPr id="1" name="Shape 56"/>
         <p:cNvGrpSpPr/>
         <p:nvPr/>
       </p:nvGrpSpPr>
@@ -1141,9 +1331,11 @@
       <p:sp>
         <p:nvSpPr>
           <p:cNvPr id="57" name="Shape 57"/>
-          <p:cNvSpPr/>
+          <p:cNvSpPr>
+            <a:spLocks noGrp="1" noRot="1" noChangeAspect="1"/>
+          </p:cNvSpPr>
           <p:nvPr>
-            <p:ph idx="2" type="sldImg"/>
+            <p:ph type="sldImg" idx="2"/>
           </p:nvPr>
         </p:nvSpPr>
         <p:spPr>
@@ -1152,8 +1344,13 @@
             <a:ext cx="6096000" cy="3429000"/>
           </a:xfrm>
           <a:custGeom>
+            <a:avLst/>
+            <a:gdLst/>
+            <a:ahLst/>
+            <a:cxnLst/>
+            <a:rect l="0" t="0" r="0" b="0"/>
             <a:pathLst>
-              <a:path extrusionOk="0" h="120000" w="120000">
+              <a:path w="120000" h="120000" extrusionOk="0">
                 <a:moveTo>
                   <a:pt x="0" y="0"/>
                 </a:moveTo>
@@ -1171,23 +1368,25 @@
             </a:pathLst>
           </a:custGeom>
           <a:noFill/>
-          <a:ln cap="flat" cmpd="sng" w="9525">
+          <a:ln w="9525" cap="flat" cmpd="sng">
             <a:solidFill>
               <a:srgbClr val="000000"/>
             </a:solidFill>
             <a:prstDash val="solid"/>
             <a:round/>
-            <a:headEnd len="med" w="med" type="none"/>
-            <a:tailEnd len="med" w="med" type="none"/>
+            <a:headEnd type="none" w="med" len="med"/>
+            <a:tailEnd type="none" w="med" len="med"/>
           </a:ln>
         </p:spPr>
       </p:sp>
       <p:sp>
         <p:nvSpPr>
           <p:cNvPr id="58" name="Shape 58"/>
-          <p:cNvSpPr txBox="1"/>
+          <p:cNvSpPr txBox="1">
+            <a:spLocks noGrp="1"/>
+          </p:cNvSpPr>
           <p:nvPr>
-            <p:ph idx="1" type="body"/>
+            <p:ph type="body" idx="1"/>
           </p:nvPr>
         </p:nvSpPr>
         <p:spPr>
@@ -1200,7 +1399,7 @@
           </a:prstGeom>
         </p:spPr>
         <p:txBody>
-          <a:bodyPr anchorCtr="0" anchor="t" bIns="91425" lIns="91425" rIns="91425" tIns="91425">
+          <a:bodyPr lIns="91425" tIns="91425" rIns="91425" bIns="91425" anchor="t" anchorCtr="0">
             <a:noAutofit/>
           </a:bodyPr>
           <a:lstStyle/>
@@ -1211,14 +1410,16 @@
               </a:spcBef>
               <a:buNone/>
             </a:pPr>
-            <a:r>
-              <a:t/>
-            </a:r>
             <a:endParaRPr/>
           </a:p>
         </p:txBody>
       </p:sp>
     </p:spTree>
+    <p:extLst>
+      <p:ext uri="{BB962C8B-B14F-4D97-AF65-F5344CB8AC3E}">
+        <p14:creationId xmlns:p14="http://schemas.microsoft.com/office/powerpoint/2010/main" val="4079285524"/>
+      </p:ext>
+    </p:extLst>
   </p:cSld>
   <p:clrMapOvr>
     <a:masterClrMapping/>
@@ -1227,11 +1428,11 @@
 </file>
 
 <file path=ppt/notesSlides/notesSlide6.xml><?xml version="1.0" encoding="utf-8"?>
-<p:notes xmlns:a="http://schemas.openxmlformats.org/drawingml/2006/main" xmlns:r="http://schemas.openxmlformats.org/officeDocument/2006/relationships" xmlns:mc="http://schemas.openxmlformats.org/markup-compatibility/2006" xmlns:mv="urn:schemas-microsoft-com:mac:vml" xmlns:p="http://schemas.openxmlformats.org/presentationml/2006/main" xmlns:c="http://schemas.openxmlformats.org/drawingml/2006/chart" xmlns:dgm="http://schemas.openxmlformats.org/drawingml/2006/diagram" xmlns:o="urn:schemas-microsoft-com:office:office" xmlns:v="urn:schemas-microsoft-com:vml" xmlns:pvml="urn:schemas-microsoft-com:office:powerpoint" xmlns:com="http://schemas.openxmlformats.org/drawingml/2006/compatibility" xmlns:p14="http://schemas.microsoft.com/office/powerpoint/2010/main" showMasterPhAnim="0" showMasterSp="0">
+<p:notes xmlns:a="http://schemas.openxmlformats.org/drawingml/2006/main" xmlns:r="http://schemas.openxmlformats.org/officeDocument/2006/relationships" xmlns:p="http://schemas.openxmlformats.org/presentationml/2006/main" showMasterSp="0" showMasterPhAnim="0">
   <p:cSld>
     <p:spTree>
       <p:nvGrpSpPr>
-        <p:cNvPr id="62" name="Shape 62"/>
+        <p:cNvPr id="1" name="Shape 62"/>
         <p:cNvGrpSpPr/>
         <p:nvPr/>
       </p:nvGrpSpPr>
@@ -1246,9 +1447,11 @@
       <p:sp>
         <p:nvSpPr>
           <p:cNvPr id="63" name="Shape 63"/>
-          <p:cNvSpPr/>
+          <p:cNvSpPr>
+            <a:spLocks noGrp="1" noRot="1" noChangeAspect="1"/>
+          </p:cNvSpPr>
           <p:nvPr>
-            <p:ph idx="2" type="sldImg"/>
+            <p:ph type="sldImg" idx="2"/>
           </p:nvPr>
         </p:nvSpPr>
         <p:spPr>
@@ -1257,8 +1460,13 @@
             <a:ext cx="6096000" cy="3429000"/>
           </a:xfrm>
           <a:custGeom>
+            <a:avLst/>
+            <a:gdLst/>
+            <a:ahLst/>
+            <a:cxnLst/>
+            <a:rect l="0" t="0" r="0" b="0"/>
             <a:pathLst>
-              <a:path extrusionOk="0" h="120000" w="120000">
+              <a:path w="120000" h="120000" extrusionOk="0">
                 <a:moveTo>
                   <a:pt x="0" y="0"/>
                 </a:moveTo>
@@ -1276,23 +1484,25 @@
             </a:pathLst>
           </a:custGeom>
           <a:noFill/>
-          <a:ln cap="flat" cmpd="sng" w="9525">
+          <a:ln w="9525" cap="flat" cmpd="sng">
             <a:solidFill>
               <a:srgbClr val="000000"/>
             </a:solidFill>
             <a:prstDash val="solid"/>
             <a:round/>
-            <a:headEnd len="med" w="med" type="none"/>
-            <a:tailEnd len="med" w="med" type="none"/>
+            <a:headEnd type="none" w="med" len="med"/>
+            <a:tailEnd type="none" w="med" len="med"/>
           </a:ln>
         </p:spPr>
       </p:sp>
       <p:sp>
         <p:nvSpPr>
           <p:cNvPr id="64" name="Shape 64"/>
-          <p:cNvSpPr txBox="1"/>
+          <p:cNvSpPr txBox="1">
+            <a:spLocks noGrp="1"/>
+          </p:cNvSpPr>
           <p:nvPr>
-            <p:ph idx="1" type="body"/>
+            <p:ph type="body" idx="1"/>
           </p:nvPr>
         </p:nvSpPr>
         <p:spPr>
@@ -1305,7 +1515,7 @@
           </a:prstGeom>
         </p:spPr>
         <p:txBody>
-          <a:bodyPr anchorCtr="0" anchor="t" bIns="91425" lIns="91425" rIns="91425" tIns="91425">
+          <a:bodyPr lIns="91425" tIns="91425" rIns="91425" bIns="91425" anchor="t" anchorCtr="0">
             <a:noAutofit/>
           </a:bodyPr>
           <a:lstStyle/>
@@ -1316,14 +1526,16 @@
               </a:spcBef>
               <a:buNone/>
             </a:pPr>
-            <a:r>
-              <a:t/>
-            </a:r>
             <a:endParaRPr/>
           </a:p>
         </p:txBody>
       </p:sp>
     </p:spTree>
+    <p:extLst>
+      <p:ext uri="{BB962C8B-B14F-4D97-AF65-F5344CB8AC3E}">
+        <p14:creationId xmlns:p14="http://schemas.microsoft.com/office/powerpoint/2010/main" val="2709948447"/>
+      </p:ext>
+    </p:extLst>
   </p:cSld>
   <p:clrMapOvr>
     <a:masterClrMapping/>
@@ -1332,11 +1544,11 @@
 </file>
 
 <file path=ppt/notesSlides/notesSlide7.xml><?xml version="1.0" encoding="utf-8"?>
-<p:notes xmlns:a="http://schemas.openxmlformats.org/drawingml/2006/main" xmlns:r="http://schemas.openxmlformats.org/officeDocument/2006/relationships" xmlns:mc="http://schemas.openxmlformats.org/markup-compatibility/2006" xmlns:mv="urn:schemas-microsoft-com:mac:vml" xmlns:p="http://schemas.openxmlformats.org/presentationml/2006/main" xmlns:c="http://schemas.openxmlformats.org/drawingml/2006/chart" xmlns:dgm="http://schemas.openxmlformats.org/drawingml/2006/diagram" xmlns:o="urn:schemas-microsoft-com:office:office" xmlns:v="urn:schemas-microsoft-com:vml" xmlns:pvml="urn:schemas-microsoft-com:office:powerpoint" xmlns:com="http://schemas.openxmlformats.org/drawingml/2006/compatibility" xmlns:p14="http://schemas.microsoft.com/office/powerpoint/2010/main" showMasterPhAnim="0" showMasterSp="0">
+<p:notes xmlns:a="http://schemas.openxmlformats.org/drawingml/2006/main" xmlns:r="http://schemas.openxmlformats.org/officeDocument/2006/relationships" xmlns:p="http://schemas.openxmlformats.org/presentationml/2006/main" showMasterSp="0" showMasterPhAnim="0">
   <p:cSld>
     <p:spTree>
       <p:nvGrpSpPr>
-        <p:cNvPr id="68" name="Shape 68"/>
+        <p:cNvPr id="1" name="Shape 68"/>
         <p:cNvGrpSpPr/>
         <p:nvPr/>
       </p:nvGrpSpPr>
@@ -1351,9 +1563,11 @@
       <p:sp>
         <p:nvSpPr>
           <p:cNvPr id="69" name="Shape 69"/>
-          <p:cNvSpPr/>
+          <p:cNvSpPr>
+            <a:spLocks noGrp="1" noRot="1" noChangeAspect="1"/>
+          </p:cNvSpPr>
           <p:nvPr>
-            <p:ph idx="2" type="sldImg"/>
+            <p:ph type="sldImg" idx="2"/>
           </p:nvPr>
         </p:nvSpPr>
         <p:spPr>
@@ -1362,8 +1576,13 @@
             <a:ext cx="6096000" cy="3429000"/>
           </a:xfrm>
           <a:custGeom>
+            <a:avLst/>
+            <a:gdLst/>
+            <a:ahLst/>
+            <a:cxnLst/>
+            <a:rect l="0" t="0" r="0" b="0"/>
             <a:pathLst>
-              <a:path extrusionOk="0" h="120000" w="120000">
+              <a:path w="120000" h="120000" extrusionOk="0">
                 <a:moveTo>
                   <a:pt x="0" y="0"/>
                 </a:moveTo>
@@ -1381,23 +1600,25 @@
             </a:pathLst>
           </a:custGeom>
           <a:noFill/>
-          <a:ln cap="flat" cmpd="sng" w="9525">
+          <a:ln w="9525" cap="flat" cmpd="sng">
             <a:solidFill>
               <a:srgbClr val="000000"/>
             </a:solidFill>
             <a:prstDash val="solid"/>
             <a:round/>
-            <a:headEnd len="med" w="med" type="none"/>
-            <a:tailEnd len="med" w="med" type="none"/>
+            <a:headEnd type="none" w="med" len="med"/>
+            <a:tailEnd type="none" w="med" len="med"/>
           </a:ln>
         </p:spPr>
       </p:sp>
       <p:sp>
         <p:nvSpPr>
           <p:cNvPr id="70" name="Shape 70"/>
-          <p:cNvSpPr txBox="1"/>
+          <p:cNvSpPr txBox="1">
+            <a:spLocks noGrp="1"/>
+          </p:cNvSpPr>
           <p:nvPr>
-            <p:ph idx="1" type="body"/>
+            <p:ph type="body" idx="1"/>
           </p:nvPr>
         </p:nvSpPr>
         <p:spPr>
@@ -1410,7 +1631,7 @@
           </a:prstGeom>
         </p:spPr>
         <p:txBody>
-          <a:bodyPr anchorCtr="0" anchor="t" bIns="91425" lIns="91425" rIns="91425" tIns="91425">
+          <a:bodyPr lIns="91425" tIns="91425" rIns="91425" bIns="91425" anchor="t" anchorCtr="0">
             <a:noAutofit/>
           </a:bodyPr>
           <a:lstStyle/>
@@ -1421,14 +1642,16 @@
               </a:spcBef>
               <a:buNone/>
             </a:pPr>
-            <a:r>
-              <a:t/>
-            </a:r>
             <a:endParaRPr/>
           </a:p>
         </p:txBody>
       </p:sp>
     </p:spTree>
+    <p:extLst>
+      <p:ext uri="{BB962C8B-B14F-4D97-AF65-F5344CB8AC3E}">
+        <p14:creationId xmlns:p14="http://schemas.microsoft.com/office/powerpoint/2010/main" val="2722916851"/>
+      </p:ext>
+    </p:extLst>
   </p:cSld>
   <p:clrMapOvr>
     <a:masterClrMapping/>
@@ -1437,11 +1660,11 @@
 </file>
 
 <file path=ppt/notesSlides/notesSlide8.xml><?xml version="1.0" encoding="utf-8"?>
-<p:notes xmlns:a="http://schemas.openxmlformats.org/drawingml/2006/main" xmlns:r="http://schemas.openxmlformats.org/officeDocument/2006/relationships" xmlns:mc="http://schemas.openxmlformats.org/markup-compatibility/2006" xmlns:mv="urn:schemas-microsoft-com:mac:vml" xmlns:p="http://schemas.openxmlformats.org/presentationml/2006/main" xmlns:c="http://schemas.openxmlformats.org/drawingml/2006/chart" xmlns:dgm="http://schemas.openxmlformats.org/drawingml/2006/diagram" xmlns:o="urn:schemas-microsoft-com:office:office" xmlns:v="urn:schemas-microsoft-com:vml" xmlns:pvml="urn:schemas-microsoft-com:office:powerpoint" xmlns:com="http://schemas.openxmlformats.org/drawingml/2006/compatibility" xmlns:p14="http://schemas.microsoft.com/office/powerpoint/2010/main" showMasterPhAnim="0" showMasterSp="0">
+<p:notes xmlns:a="http://schemas.openxmlformats.org/drawingml/2006/main" xmlns:r="http://schemas.openxmlformats.org/officeDocument/2006/relationships" xmlns:p="http://schemas.openxmlformats.org/presentationml/2006/main" showMasterSp="0" showMasterPhAnim="0">
   <p:cSld>
     <p:spTree>
       <p:nvGrpSpPr>
-        <p:cNvPr id="75" name="Shape 75"/>
+        <p:cNvPr id="1" name="Shape 75"/>
         <p:cNvGrpSpPr/>
         <p:nvPr/>
       </p:nvGrpSpPr>
@@ -1456,9 +1679,11 @@
       <p:sp>
         <p:nvSpPr>
           <p:cNvPr id="76" name="Shape 76"/>
-          <p:cNvSpPr/>
+          <p:cNvSpPr>
+            <a:spLocks noGrp="1" noRot="1" noChangeAspect="1"/>
+          </p:cNvSpPr>
           <p:nvPr>
-            <p:ph idx="2" type="sldImg"/>
+            <p:ph type="sldImg" idx="2"/>
           </p:nvPr>
         </p:nvSpPr>
         <p:spPr>
@@ -1467,8 +1692,13 @@
             <a:ext cx="6096000" cy="3429000"/>
           </a:xfrm>
           <a:custGeom>
+            <a:avLst/>
+            <a:gdLst/>
+            <a:ahLst/>
+            <a:cxnLst/>
+            <a:rect l="0" t="0" r="0" b="0"/>
             <a:pathLst>
-              <a:path extrusionOk="0" h="120000" w="120000">
+              <a:path w="120000" h="120000" extrusionOk="0">
                 <a:moveTo>
                   <a:pt x="0" y="0"/>
                 </a:moveTo>
@@ -1486,23 +1716,25 @@
             </a:pathLst>
           </a:custGeom>
           <a:noFill/>
-          <a:ln cap="flat" cmpd="sng" w="9525">
+          <a:ln w="9525" cap="flat" cmpd="sng">
             <a:solidFill>
               <a:srgbClr val="000000"/>
             </a:solidFill>
             <a:prstDash val="solid"/>
             <a:round/>
-            <a:headEnd len="med" w="med" type="none"/>
-            <a:tailEnd len="med" w="med" type="none"/>
+            <a:headEnd type="none" w="med" len="med"/>
+            <a:tailEnd type="none" w="med" len="med"/>
           </a:ln>
         </p:spPr>
       </p:sp>
       <p:sp>
         <p:nvSpPr>
           <p:cNvPr id="77" name="Shape 77"/>
-          <p:cNvSpPr txBox="1"/>
+          <p:cNvSpPr txBox="1">
+            <a:spLocks noGrp="1"/>
+          </p:cNvSpPr>
           <p:nvPr>
-            <p:ph idx="1" type="body"/>
+            <p:ph type="body" idx="1"/>
           </p:nvPr>
         </p:nvSpPr>
         <p:spPr>
@@ -1515,7 +1747,7 @@
           </a:prstGeom>
         </p:spPr>
         <p:txBody>
-          <a:bodyPr anchorCtr="0" anchor="t" bIns="91425" lIns="91425" rIns="91425" tIns="91425">
+          <a:bodyPr lIns="91425" tIns="91425" rIns="91425" bIns="91425" anchor="t" anchorCtr="0">
             <a:noAutofit/>
           </a:bodyPr>
           <a:lstStyle/>
@@ -1526,14 +1758,16 @@
               </a:spcBef>
               <a:buNone/>
             </a:pPr>
-            <a:r>
-              <a:t/>
-            </a:r>
             <a:endParaRPr/>
           </a:p>
         </p:txBody>
       </p:sp>
     </p:spTree>
+    <p:extLst>
+      <p:ext uri="{BB962C8B-B14F-4D97-AF65-F5344CB8AC3E}">
+        <p14:creationId xmlns:p14="http://schemas.microsoft.com/office/powerpoint/2010/main" val="2852057708"/>
+      </p:ext>
+    </p:extLst>
   </p:cSld>
   <p:clrMapOvr>
     <a:masterClrMapping/>
@@ -1542,11 +1776,11 @@
 </file>
 
 <file path=ppt/notesSlides/notesSlide9.xml><?xml version="1.0" encoding="utf-8"?>
-<p:notes xmlns:a="http://schemas.openxmlformats.org/drawingml/2006/main" xmlns:r="http://schemas.openxmlformats.org/officeDocument/2006/relationships" xmlns:mc="http://schemas.openxmlformats.org/markup-compatibility/2006" xmlns:mv="urn:schemas-microsoft-com:mac:vml" xmlns:p="http://schemas.openxmlformats.org/presentationml/2006/main" xmlns:c="http://schemas.openxmlformats.org/drawingml/2006/chart" xmlns:dgm="http://schemas.openxmlformats.org/drawingml/2006/diagram" xmlns:o="urn:schemas-microsoft-com:office:office" xmlns:v="urn:schemas-microsoft-com:vml" xmlns:pvml="urn:schemas-microsoft-com:office:powerpoint" xmlns:com="http://schemas.openxmlformats.org/drawingml/2006/compatibility" xmlns:p14="http://schemas.microsoft.com/office/powerpoint/2010/main" showMasterPhAnim="0" showMasterSp="0">
+<p:notes xmlns:a="http://schemas.openxmlformats.org/drawingml/2006/main" xmlns:r="http://schemas.openxmlformats.org/officeDocument/2006/relationships" xmlns:p="http://schemas.openxmlformats.org/presentationml/2006/main" showMasterSp="0" showMasterPhAnim="0">
   <p:cSld>
     <p:spTree>
       <p:nvGrpSpPr>
-        <p:cNvPr id="81" name="Shape 81"/>
+        <p:cNvPr id="1" name="Shape 81"/>
         <p:cNvGrpSpPr/>
         <p:nvPr/>
       </p:nvGrpSpPr>
@@ -1561,9 +1795,11 @@
       <p:sp>
         <p:nvSpPr>
           <p:cNvPr id="82" name="Shape 82"/>
-          <p:cNvSpPr/>
+          <p:cNvSpPr>
+            <a:spLocks noGrp="1" noRot="1" noChangeAspect="1"/>
+          </p:cNvSpPr>
           <p:nvPr>
-            <p:ph idx="2" type="sldImg"/>
+            <p:ph type="sldImg" idx="2"/>
           </p:nvPr>
         </p:nvSpPr>
         <p:spPr>
@@ -1572,8 +1808,13 @@
             <a:ext cx="6096000" cy="3429000"/>
           </a:xfrm>
           <a:custGeom>
+            <a:avLst/>
+            <a:gdLst/>
+            <a:ahLst/>
+            <a:cxnLst/>
+            <a:rect l="0" t="0" r="0" b="0"/>
             <a:pathLst>
-              <a:path extrusionOk="0" h="120000" w="120000">
+              <a:path w="120000" h="120000" extrusionOk="0">
                 <a:moveTo>
                   <a:pt x="0" y="0"/>
                 </a:moveTo>
@@ -1591,23 +1832,25 @@
             </a:pathLst>
           </a:custGeom>
           <a:noFill/>
-          <a:ln cap="flat" cmpd="sng" w="9525">
+          <a:ln w="9525" cap="flat" cmpd="sng">
             <a:solidFill>
               <a:srgbClr val="000000"/>
             </a:solidFill>
             <a:prstDash val="solid"/>
             <a:round/>
-            <a:headEnd len="med" w="med" type="none"/>
-            <a:tailEnd len="med" w="med" type="none"/>
+            <a:headEnd type="none" w="med" len="med"/>
+            <a:tailEnd type="none" w="med" len="med"/>
           </a:ln>
         </p:spPr>
       </p:sp>
       <p:sp>
         <p:nvSpPr>
           <p:cNvPr id="83" name="Shape 83"/>
-          <p:cNvSpPr txBox="1"/>
+          <p:cNvSpPr txBox="1">
+            <a:spLocks noGrp="1"/>
+          </p:cNvSpPr>
           <p:nvPr>
-            <p:ph idx="1" type="body"/>
+            <p:ph type="body" idx="1"/>
           </p:nvPr>
         </p:nvSpPr>
         <p:spPr>
@@ -1620,7 +1863,7 @@
           </a:prstGeom>
         </p:spPr>
         <p:txBody>
-          <a:bodyPr anchorCtr="0" anchor="t" bIns="91425" lIns="91425" rIns="91425" tIns="91425">
+          <a:bodyPr lIns="91425" tIns="91425" rIns="91425" bIns="91425" anchor="t" anchorCtr="0">
             <a:noAutofit/>
           </a:bodyPr>
           <a:lstStyle/>
@@ -1631,14 +1874,16 @@
               </a:spcBef>
               <a:buNone/>
             </a:pPr>
-            <a:r>
-              <a:t/>
-            </a:r>
             <a:endParaRPr/>
           </a:p>
         </p:txBody>
       </p:sp>
     </p:spTree>
+    <p:extLst>
+      <p:ext uri="{BB962C8B-B14F-4D97-AF65-F5344CB8AC3E}">
+        <p14:creationId xmlns:p14="http://schemas.microsoft.com/office/powerpoint/2010/main" val="1450005114"/>
+      </p:ext>
+    </p:extLst>
   </p:cSld>
   <p:clrMapOvr>
     <a:masterClrMapping/>
@@ -1647,11 +1892,11 @@
 </file>
 
 <file path=ppt/slideLayouts/slideLayout1.xml><?xml version="1.0" encoding="utf-8"?>
-<p:sldLayout xmlns:a="http://schemas.openxmlformats.org/drawingml/2006/main" xmlns:r="http://schemas.openxmlformats.org/officeDocument/2006/relationships" xmlns:mc="http://schemas.openxmlformats.org/markup-compatibility/2006" xmlns:mv="urn:schemas-microsoft-com:mac:vml" xmlns:p="http://schemas.openxmlformats.org/presentationml/2006/main" xmlns:c="http://schemas.openxmlformats.org/drawingml/2006/chart" xmlns:dgm="http://schemas.openxmlformats.org/drawingml/2006/diagram" xmlns:o="urn:schemas-microsoft-com:office:office" xmlns:v="urn:schemas-microsoft-com:vml" xmlns:pvml="urn:schemas-microsoft-com:office:powerpoint" xmlns:com="http://schemas.openxmlformats.org/drawingml/2006/compatibility" xmlns:p14="http://schemas.microsoft.com/office/powerpoint/2010/main" type="title">
+<p:sldLayout xmlns:a="http://schemas.openxmlformats.org/drawingml/2006/main" xmlns:r="http://schemas.openxmlformats.org/officeDocument/2006/relationships" xmlns:p="http://schemas.openxmlformats.org/presentationml/2006/main" type="title">
   <p:cSld name="Title Slide">
     <p:spTree>
       <p:nvGrpSpPr>
-        <p:cNvPr id="8" name="Shape 8"/>
+        <p:cNvPr id="1" name="Shape 8"/>
         <p:cNvGrpSpPr/>
         <p:nvPr/>
       </p:nvGrpSpPr>
@@ -1666,7 +1911,9 @@
       <p:sp>
         <p:nvSpPr>
           <p:cNvPr id="9" name="Shape 9"/>
-          <p:cNvSpPr txBox="1"/>
+          <p:cNvSpPr txBox="1">
+            <a:spLocks noGrp="1"/>
+          </p:cNvSpPr>
           <p:nvPr>
             <p:ph type="ctrTitle"/>
           </p:nvPr>
@@ -1681,7 +1928,7 @@
           </a:prstGeom>
         </p:spPr>
         <p:txBody>
-          <a:bodyPr anchorCtr="0" anchor="b" bIns="91425" lIns="91425" rIns="91425" tIns="91425"/>
+          <a:bodyPr lIns="91425" tIns="91425" rIns="91425" bIns="91425" anchor="b" anchorCtr="0"/>
           <a:lstStyle>
             <a:lvl1pPr algn="ctr">
               <a:spcBef>
@@ -1747,15 +1994,19 @@
               <a:defRPr sz="4800"/>
             </a:lvl9pPr>
           </a:lstStyle>
-          <a:p/>
+          <a:p>
+            <a:endParaRPr/>
+          </a:p>
         </p:txBody>
       </p:sp>
       <p:sp>
         <p:nvSpPr>
           <p:cNvPr id="10" name="Shape 10"/>
-          <p:cNvSpPr txBox="1"/>
+          <p:cNvSpPr txBox="1">
+            <a:spLocks noGrp="1"/>
+          </p:cNvSpPr>
           <p:nvPr>
-            <p:ph idx="1" type="subTitle"/>
+            <p:ph type="subTitle" idx="1"/>
           </p:nvPr>
         </p:nvSpPr>
         <p:spPr>
@@ -1768,7 +2019,7 @@
           </a:prstGeom>
         </p:spPr>
         <p:txBody>
-          <a:bodyPr anchorCtr="0" anchor="t" bIns="91425" lIns="91425" rIns="91425" tIns="91425"/>
+          <a:bodyPr lIns="91425" tIns="91425" rIns="91425" bIns="91425" anchor="t" anchorCtr="0"/>
           <a:lstStyle>
             <a:lvl1pPr algn="ctr">
               <a:spcBef>
@@ -1905,15 +2156,19 @@
               </a:defRPr>
             </a:lvl9pPr>
           </a:lstStyle>
-          <a:p/>
+          <a:p>
+            <a:endParaRPr/>
+          </a:p>
         </p:txBody>
       </p:sp>
       <p:sp>
         <p:nvSpPr>
           <p:cNvPr id="11" name="Shape 11"/>
-          <p:cNvSpPr txBox="1"/>
+          <p:cNvSpPr txBox="1">
+            <a:spLocks noGrp="1"/>
+          </p:cNvSpPr>
           <p:nvPr>
-            <p:ph idx="12" type="sldNum"/>
+            <p:ph type="sldNum" idx="12"/>
           </p:nvPr>
         </p:nvSpPr>
         <p:spPr>
@@ -1926,7 +2181,7 @@
           </a:prstGeom>
         </p:spPr>
         <p:txBody>
-          <a:bodyPr anchorCtr="0" anchor="ctr" bIns="91425" lIns="91425" rIns="91425" tIns="91425">
+          <a:bodyPr lIns="91425" tIns="91425" rIns="91425" bIns="91425" anchor="ctr" anchorCtr="0">
             <a:noAutofit/>
           </a:bodyPr>
           <a:lstStyle>
@@ -1949,6 +2204,7 @@
               <a:rPr lang="en"/>
               <a:t>‹#›</a:t>
             </a:fld>
+            <a:endParaRPr lang="en"/>
           </a:p>
         </p:txBody>
       </p:sp>
@@ -1961,11 +2217,11 @@
 </file>
 
 <file path=ppt/slideLayouts/slideLayout2.xml><?xml version="1.0" encoding="utf-8"?>
-<p:sldLayout xmlns:a="http://schemas.openxmlformats.org/drawingml/2006/main" xmlns:r="http://schemas.openxmlformats.org/officeDocument/2006/relationships" xmlns:mc="http://schemas.openxmlformats.org/markup-compatibility/2006" xmlns:mv="urn:schemas-microsoft-com:mac:vml" xmlns:p="http://schemas.openxmlformats.org/presentationml/2006/main" xmlns:c="http://schemas.openxmlformats.org/drawingml/2006/chart" xmlns:dgm="http://schemas.openxmlformats.org/drawingml/2006/diagram" xmlns:o="urn:schemas-microsoft-com:office:office" xmlns:v="urn:schemas-microsoft-com:vml" xmlns:pvml="urn:schemas-microsoft-com:office:powerpoint" xmlns:com="http://schemas.openxmlformats.org/drawingml/2006/compatibility" xmlns:p14="http://schemas.microsoft.com/office/powerpoint/2010/main" type="tx">
+<p:sldLayout xmlns:a="http://schemas.openxmlformats.org/drawingml/2006/main" xmlns:r="http://schemas.openxmlformats.org/officeDocument/2006/relationships" xmlns:p="http://schemas.openxmlformats.org/presentationml/2006/main" type="tx">
   <p:cSld name="Title and Body">
     <p:spTree>
       <p:nvGrpSpPr>
-        <p:cNvPr id="12" name="Shape 12"/>
+        <p:cNvPr id="1" name="Shape 12"/>
         <p:cNvGrpSpPr/>
         <p:nvPr/>
       </p:nvGrpSpPr>
@@ -1980,7 +2236,9 @@
       <p:sp>
         <p:nvSpPr>
           <p:cNvPr id="13" name="Shape 13"/>
-          <p:cNvSpPr txBox="1"/>
+          <p:cNvSpPr txBox="1">
+            <a:spLocks noGrp="1"/>
+          </p:cNvSpPr>
           <p:nvPr>
             <p:ph type="title"/>
           </p:nvPr>
@@ -1995,7 +2253,7 @@
           </a:prstGeom>
         </p:spPr>
         <p:txBody>
-          <a:bodyPr anchorCtr="0" anchor="b" bIns="91425" lIns="91425" rIns="91425" tIns="91425"/>
+          <a:bodyPr lIns="91425" tIns="91425" rIns="91425" bIns="91425" anchor="b" anchorCtr="0"/>
           <a:lstStyle>
             <a:lvl1pPr>
               <a:spcBef>
@@ -2052,15 +2310,19 @@
               <a:defRPr/>
             </a:lvl9pPr>
           </a:lstStyle>
-          <a:p/>
+          <a:p>
+            <a:endParaRPr/>
+          </a:p>
         </p:txBody>
       </p:sp>
       <p:sp>
         <p:nvSpPr>
           <p:cNvPr id="14" name="Shape 14"/>
-          <p:cNvSpPr txBox="1"/>
+          <p:cNvSpPr txBox="1">
+            <a:spLocks noGrp="1"/>
+          </p:cNvSpPr>
           <p:nvPr>
-            <p:ph idx="1" type="body"/>
+            <p:ph type="body" idx="1"/>
           </p:nvPr>
         </p:nvSpPr>
         <p:spPr>
@@ -2073,7 +2335,7 @@
           </a:prstGeom>
         </p:spPr>
         <p:txBody>
-          <a:bodyPr anchorCtr="0" anchor="t" bIns="91425" lIns="91425" rIns="91425" tIns="91425"/>
+          <a:bodyPr lIns="91425" tIns="91425" rIns="91425" bIns="91425" anchor="t" anchorCtr="0"/>
           <a:lstStyle>
             <a:lvl1pPr>
               <a:spcBef>
@@ -2130,15 +2392,19 @@
               <a:defRPr/>
             </a:lvl9pPr>
           </a:lstStyle>
-          <a:p/>
+          <a:p>
+            <a:endParaRPr/>
+          </a:p>
         </p:txBody>
       </p:sp>
       <p:sp>
         <p:nvSpPr>
           <p:cNvPr id="15" name="Shape 15"/>
-          <p:cNvSpPr txBox="1"/>
+          <p:cNvSpPr txBox="1">
+            <a:spLocks noGrp="1"/>
+          </p:cNvSpPr>
           <p:nvPr>
-            <p:ph idx="12" type="sldNum"/>
+            <p:ph type="sldNum" idx="12"/>
           </p:nvPr>
         </p:nvSpPr>
         <p:spPr>
@@ -2151,7 +2417,7 @@
           </a:prstGeom>
         </p:spPr>
         <p:txBody>
-          <a:bodyPr anchorCtr="0" anchor="ctr" bIns="91425" lIns="91425" rIns="91425" tIns="91425">
+          <a:bodyPr lIns="91425" tIns="91425" rIns="91425" bIns="91425" anchor="ctr" anchorCtr="0">
             <a:noAutofit/>
           </a:bodyPr>
           <a:lstStyle>
@@ -2174,6 +2440,7 @@
               <a:rPr lang="en"/>
               <a:t>‹#›</a:t>
             </a:fld>
+            <a:endParaRPr lang="en"/>
           </a:p>
         </p:txBody>
       </p:sp>
@@ -2186,11 +2453,11 @@
 </file>
 
 <file path=ppt/slideLayouts/slideLayout3.xml><?xml version="1.0" encoding="utf-8"?>
-<p:sldLayout xmlns:a="http://schemas.openxmlformats.org/drawingml/2006/main" xmlns:r="http://schemas.openxmlformats.org/officeDocument/2006/relationships" xmlns:mc="http://schemas.openxmlformats.org/markup-compatibility/2006" xmlns:mv="urn:schemas-microsoft-com:mac:vml" xmlns:p="http://schemas.openxmlformats.org/presentationml/2006/main" xmlns:c="http://schemas.openxmlformats.org/drawingml/2006/chart" xmlns:dgm="http://schemas.openxmlformats.org/drawingml/2006/diagram" xmlns:o="urn:schemas-microsoft-com:office:office" xmlns:v="urn:schemas-microsoft-com:vml" xmlns:pvml="urn:schemas-microsoft-com:office:powerpoint" xmlns:com="http://schemas.openxmlformats.org/drawingml/2006/compatibility" xmlns:p14="http://schemas.microsoft.com/office/powerpoint/2010/main" type="twoColTx">
+<p:sldLayout xmlns:a="http://schemas.openxmlformats.org/drawingml/2006/main" xmlns:r="http://schemas.openxmlformats.org/officeDocument/2006/relationships" xmlns:p="http://schemas.openxmlformats.org/presentationml/2006/main" type="twoColTx">
   <p:cSld name="Title and Two Columns">
     <p:spTree>
       <p:nvGrpSpPr>
-        <p:cNvPr id="16" name="Shape 16"/>
+        <p:cNvPr id="1" name="Shape 16"/>
         <p:cNvGrpSpPr/>
         <p:nvPr/>
       </p:nvGrpSpPr>
@@ -2205,7 +2472,9 @@
       <p:sp>
         <p:nvSpPr>
           <p:cNvPr id="17" name="Shape 17"/>
-          <p:cNvSpPr txBox="1"/>
+          <p:cNvSpPr txBox="1">
+            <a:spLocks noGrp="1"/>
+          </p:cNvSpPr>
           <p:nvPr>
             <p:ph type="title"/>
           </p:nvPr>
@@ -2220,7 +2489,7 @@
           </a:prstGeom>
         </p:spPr>
         <p:txBody>
-          <a:bodyPr anchorCtr="0" anchor="b" bIns="91425" lIns="91425" rIns="91425" tIns="91425"/>
+          <a:bodyPr lIns="91425" tIns="91425" rIns="91425" bIns="91425" anchor="b" anchorCtr="0"/>
           <a:lstStyle>
             <a:lvl1pPr>
               <a:spcBef>
@@ -2277,15 +2546,19 @@
               <a:defRPr/>
             </a:lvl9pPr>
           </a:lstStyle>
-          <a:p/>
+          <a:p>
+            <a:endParaRPr/>
+          </a:p>
         </p:txBody>
       </p:sp>
       <p:sp>
         <p:nvSpPr>
           <p:cNvPr id="18" name="Shape 18"/>
-          <p:cNvSpPr txBox="1"/>
+          <p:cNvSpPr txBox="1">
+            <a:spLocks noGrp="1"/>
+          </p:cNvSpPr>
           <p:nvPr>
-            <p:ph idx="1" type="body"/>
+            <p:ph type="body" idx="1"/>
           </p:nvPr>
         </p:nvSpPr>
         <p:spPr>
@@ -2298,7 +2571,7 @@
           </a:prstGeom>
         </p:spPr>
         <p:txBody>
-          <a:bodyPr anchorCtr="0" anchor="t" bIns="91425" lIns="91425" rIns="91425" tIns="91425"/>
+          <a:bodyPr lIns="91425" tIns="91425" rIns="91425" bIns="91425" anchor="t" anchorCtr="0"/>
           <a:lstStyle>
             <a:lvl1pPr>
               <a:spcBef>
@@ -2355,15 +2628,19 @@
               <a:defRPr/>
             </a:lvl9pPr>
           </a:lstStyle>
-          <a:p/>
+          <a:p>
+            <a:endParaRPr/>
+          </a:p>
         </p:txBody>
       </p:sp>
       <p:sp>
         <p:nvSpPr>
           <p:cNvPr id="19" name="Shape 19"/>
-          <p:cNvSpPr txBox="1"/>
+          <p:cNvSpPr txBox="1">
+            <a:spLocks noGrp="1"/>
+          </p:cNvSpPr>
           <p:nvPr>
-            <p:ph idx="2" type="body"/>
+            <p:ph type="body" idx="2"/>
           </p:nvPr>
         </p:nvSpPr>
         <p:spPr>
@@ -2376,7 +2653,7 @@
           </a:prstGeom>
         </p:spPr>
         <p:txBody>
-          <a:bodyPr anchorCtr="0" anchor="t" bIns="91425" lIns="91425" rIns="91425" tIns="91425"/>
+          <a:bodyPr lIns="91425" tIns="91425" rIns="91425" bIns="91425" anchor="t" anchorCtr="0"/>
           <a:lstStyle>
             <a:lvl1pPr>
               <a:spcBef>
@@ -2433,15 +2710,19 @@
               <a:defRPr/>
             </a:lvl9pPr>
           </a:lstStyle>
-          <a:p/>
+          <a:p>
+            <a:endParaRPr/>
+          </a:p>
         </p:txBody>
       </p:sp>
       <p:sp>
         <p:nvSpPr>
           <p:cNvPr id="20" name="Shape 20"/>
-          <p:cNvSpPr txBox="1"/>
+          <p:cNvSpPr txBox="1">
+            <a:spLocks noGrp="1"/>
+          </p:cNvSpPr>
           <p:nvPr>
-            <p:ph idx="12" type="sldNum"/>
+            <p:ph type="sldNum" idx="12"/>
           </p:nvPr>
         </p:nvSpPr>
         <p:spPr>
@@ -2454,7 +2735,7 @@
           </a:prstGeom>
         </p:spPr>
         <p:txBody>
-          <a:bodyPr anchorCtr="0" anchor="ctr" bIns="91425" lIns="91425" rIns="91425" tIns="91425">
+          <a:bodyPr lIns="91425" tIns="91425" rIns="91425" bIns="91425" anchor="ctr" anchorCtr="0">
             <a:noAutofit/>
           </a:bodyPr>
           <a:lstStyle>
@@ -2477,6 +2758,7 @@
               <a:rPr lang="en"/>
               <a:t>‹#›</a:t>
             </a:fld>
+            <a:endParaRPr lang="en"/>
           </a:p>
         </p:txBody>
       </p:sp>
@@ -2489,11 +2771,11 @@
 </file>
 
 <file path=ppt/slideLayouts/slideLayout4.xml><?xml version="1.0" encoding="utf-8"?>
-<p:sldLayout xmlns:a="http://schemas.openxmlformats.org/drawingml/2006/main" xmlns:r="http://schemas.openxmlformats.org/officeDocument/2006/relationships" xmlns:mc="http://schemas.openxmlformats.org/markup-compatibility/2006" xmlns:mv="urn:schemas-microsoft-com:mac:vml" xmlns:p="http://schemas.openxmlformats.org/presentationml/2006/main" xmlns:c="http://schemas.openxmlformats.org/drawingml/2006/chart" xmlns:dgm="http://schemas.openxmlformats.org/drawingml/2006/diagram" xmlns:o="urn:schemas-microsoft-com:office:office" xmlns:v="urn:schemas-microsoft-com:vml" xmlns:pvml="urn:schemas-microsoft-com:office:powerpoint" xmlns:com="http://schemas.openxmlformats.org/drawingml/2006/compatibility" xmlns:p14="http://schemas.microsoft.com/office/powerpoint/2010/main" type="titleOnly">
+<p:sldLayout xmlns:a="http://schemas.openxmlformats.org/drawingml/2006/main" xmlns:r="http://schemas.openxmlformats.org/officeDocument/2006/relationships" xmlns:p="http://schemas.openxmlformats.org/presentationml/2006/main" type="titleOnly">
   <p:cSld name="Title Only">
     <p:spTree>
       <p:nvGrpSpPr>
-        <p:cNvPr id="21" name="Shape 21"/>
+        <p:cNvPr id="1" name="Shape 21"/>
         <p:cNvGrpSpPr/>
         <p:nvPr/>
       </p:nvGrpSpPr>
@@ -2508,7 +2790,9 @@
       <p:sp>
         <p:nvSpPr>
           <p:cNvPr id="22" name="Shape 22"/>
-          <p:cNvSpPr txBox="1"/>
+          <p:cNvSpPr txBox="1">
+            <a:spLocks noGrp="1"/>
+          </p:cNvSpPr>
           <p:nvPr>
             <p:ph type="title"/>
           </p:nvPr>
@@ -2523,7 +2807,7 @@
           </a:prstGeom>
         </p:spPr>
         <p:txBody>
-          <a:bodyPr anchorCtr="0" anchor="b" bIns="91425" lIns="91425" rIns="91425" tIns="91425"/>
+          <a:bodyPr lIns="91425" tIns="91425" rIns="91425" bIns="91425" anchor="b" anchorCtr="0"/>
           <a:lstStyle>
             <a:lvl1pPr>
               <a:spcBef>
@@ -2580,15 +2864,19 @@
               <a:defRPr/>
             </a:lvl9pPr>
           </a:lstStyle>
-          <a:p/>
+          <a:p>
+            <a:endParaRPr/>
+          </a:p>
         </p:txBody>
       </p:sp>
       <p:sp>
         <p:nvSpPr>
           <p:cNvPr id="23" name="Shape 23"/>
-          <p:cNvSpPr txBox="1"/>
+          <p:cNvSpPr txBox="1">
+            <a:spLocks noGrp="1"/>
+          </p:cNvSpPr>
           <p:nvPr>
-            <p:ph idx="12" type="sldNum"/>
+            <p:ph type="sldNum" idx="12"/>
           </p:nvPr>
         </p:nvSpPr>
         <p:spPr>
@@ -2601,7 +2889,7 @@
           </a:prstGeom>
         </p:spPr>
         <p:txBody>
-          <a:bodyPr anchorCtr="0" anchor="ctr" bIns="91425" lIns="91425" rIns="91425" tIns="91425">
+          <a:bodyPr lIns="91425" tIns="91425" rIns="91425" bIns="91425" anchor="ctr" anchorCtr="0">
             <a:noAutofit/>
           </a:bodyPr>
           <a:lstStyle>
@@ -2624,6 +2912,7 @@
               <a:rPr lang="en"/>
               <a:t>‹#›</a:t>
             </a:fld>
+            <a:endParaRPr lang="en"/>
           </a:p>
         </p:txBody>
       </p:sp>
@@ -2636,11 +2925,11 @@
 </file>
 
 <file path=ppt/slideLayouts/slideLayout5.xml><?xml version="1.0" encoding="utf-8"?>
-<p:sldLayout xmlns:a="http://schemas.openxmlformats.org/drawingml/2006/main" xmlns:r="http://schemas.openxmlformats.org/officeDocument/2006/relationships" xmlns:mc="http://schemas.openxmlformats.org/markup-compatibility/2006" xmlns:mv="urn:schemas-microsoft-com:mac:vml" xmlns:p="http://schemas.openxmlformats.org/presentationml/2006/main" xmlns:c="http://schemas.openxmlformats.org/drawingml/2006/chart" xmlns:dgm="http://schemas.openxmlformats.org/drawingml/2006/diagram" xmlns:o="urn:schemas-microsoft-com:office:office" xmlns:v="urn:schemas-microsoft-com:vml" xmlns:pvml="urn:schemas-microsoft-com:office:powerpoint" xmlns:com="http://schemas.openxmlformats.org/drawingml/2006/compatibility" xmlns:p14="http://schemas.microsoft.com/office/powerpoint/2010/main">
+<p:sldLayout xmlns:a="http://schemas.openxmlformats.org/drawingml/2006/main" xmlns:r="http://schemas.openxmlformats.org/officeDocument/2006/relationships" xmlns:p="http://schemas.openxmlformats.org/presentationml/2006/main">
   <p:cSld name="Caption">
     <p:spTree>
       <p:nvGrpSpPr>
-        <p:cNvPr id="24" name="Shape 24"/>
+        <p:cNvPr id="1" name="Shape 24"/>
         <p:cNvGrpSpPr/>
         <p:nvPr/>
       </p:nvGrpSpPr>
@@ -2655,9 +2944,11 @@
       <p:sp>
         <p:nvSpPr>
           <p:cNvPr id="25" name="Shape 25"/>
-          <p:cNvSpPr txBox="1"/>
+          <p:cNvSpPr txBox="1">
+            <a:spLocks noGrp="1"/>
+          </p:cNvSpPr>
           <p:nvPr>
-            <p:ph idx="1" type="body"/>
+            <p:ph type="body" idx="1"/>
           </p:nvPr>
         </p:nvSpPr>
         <p:spPr>
@@ -2670,7 +2961,7 @@
           </a:prstGeom>
         </p:spPr>
         <p:txBody>
-          <a:bodyPr anchorCtr="0" anchor="t" bIns="91425" lIns="91425" rIns="91425" tIns="91425"/>
+          <a:bodyPr lIns="91425" tIns="91425" rIns="91425" bIns="91425" anchor="t" anchorCtr="0"/>
           <a:lstStyle>
             <a:lvl1pPr algn="ctr">
               <a:spcBef>
@@ -2681,15 +2972,19 @@
               <a:defRPr sz="1800"/>
             </a:lvl1pPr>
           </a:lstStyle>
-          <a:p/>
+          <a:p>
+            <a:endParaRPr/>
+          </a:p>
         </p:txBody>
       </p:sp>
       <p:sp>
         <p:nvSpPr>
           <p:cNvPr id="26" name="Shape 26"/>
-          <p:cNvSpPr txBox="1"/>
+          <p:cNvSpPr txBox="1">
+            <a:spLocks noGrp="1"/>
+          </p:cNvSpPr>
           <p:nvPr>
-            <p:ph idx="12" type="sldNum"/>
+            <p:ph type="sldNum" idx="12"/>
           </p:nvPr>
         </p:nvSpPr>
         <p:spPr>
@@ -2702,7 +2997,7 @@
           </a:prstGeom>
         </p:spPr>
         <p:txBody>
-          <a:bodyPr anchorCtr="0" anchor="ctr" bIns="91425" lIns="91425" rIns="91425" tIns="91425">
+          <a:bodyPr lIns="91425" tIns="91425" rIns="91425" bIns="91425" anchor="ctr" anchorCtr="0">
             <a:noAutofit/>
           </a:bodyPr>
           <a:lstStyle>
@@ -2725,6 +3020,7 @@
               <a:rPr lang="en"/>
               <a:t>‹#›</a:t>
             </a:fld>
+            <a:endParaRPr lang="en"/>
           </a:p>
         </p:txBody>
       </p:sp>
@@ -2737,11 +3033,11 @@
 </file>
 
 <file path=ppt/slideLayouts/slideLayout6.xml><?xml version="1.0" encoding="utf-8"?>
-<p:sldLayout xmlns:a="http://schemas.openxmlformats.org/drawingml/2006/main" xmlns:r="http://schemas.openxmlformats.org/officeDocument/2006/relationships" xmlns:mc="http://schemas.openxmlformats.org/markup-compatibility/2006" xmlns:mv="urn:schemas-microsoft-com:mac:vml" xmlns:p="http://schemas.openxmlformats.org/presentationml/2006/main" xmlns:c="http://schemas.openxmlformats.org/drawingml/2006/chart" xmlns:dgm="http://schemas.openxmlformats.org/drawingml/2006/diagram" xmlns:o="urn:schemas-microsoft-com:office:office" xmlns:v="urn:schemas-microsoft-com:vml" xmlns:pvml="urn:schemas-microsoft-com:office:powerpoint" xmlns:com="http://schemas.openxmlformats.org/drawingml/2006/compatibility" xmlns:p14="http://schemas.microsoft.com/office/powerpoint/2010/main" type="blank">
+<p:sldLayout xmlns:a="http://schemas.openxmlformats.org/drawingml/2006/main" xmlns:r="http://schemas.openxmlformats.org/officeDocument/2006/relationships" xmlns:p="http://schemas.openxmlformats.org/presentationml/2006/main" type="blank">
   <p:cSld name="Blank">
     <p:spTree>
       <p:nvGrpSpPr>
-        <p:cNvPr id="27" name="Shape 27"/>
+        <p:cNvPr id="1" name="Shape 27"/>
         <p:cNvGrpSpPr/>
         <p:nvPr/>
       </p:nvGrpSpPr>
@@ -2756,9 +3052,11 @@
       <p:sp>
         <p:nvSpPr>
           <p:cNvPr id="28" name="Shape 28"/>
-          <p:cNvSpPr txBox="1"/>
+          <p:cNvSpPr txBox="1">
+            <a:spLocks noGrp="1"/>
+          </p:cNvSpPr>
           <p:nvPr>
-            <p:ph idx="12" type="sldNum"/>
+            <p:ph type="sldNum" idx="12"/>
           </p:nvPr>
         </p:nvSpPr>
         <p:spPr>
@@ -2771,7 +3069,7 @@
           </a:prstGeom>
         </p:spPr>
         <p:txBody>
-          <a:bodyPr anchorCtr="0" anchor="ctr" bIns="91425" lIns="91425" rIns="91425" tIns="91425">
+          <a:bodyPr lIns="91425" tIns="91425" rIns="91425" bIns="91425" anchor="ctr" anchorCtr="0">
             <a:noAutofit/>
           </a:bodyPr>
           <a:lstStyle>
@@ -2794,6 +3092,7 @@
               <a:rPr lang="en"/>
               <a:t>‹#›</a:t>
             </a:fld>
+            <a:endParaRPr lang="en"/>
           </a:p>
         </p:txBody>
       </p:sp>
@@ -2806,18 +3105,19 @@
 </file>
 
 <file path=ppt/slideMasters/slideMaster1.xml><?xml version="1.0" encoding="utf-8"?>
-<p:sldMaster xmlns:a="http://schemas.openxmlformats.org/drawingml/2006/main" xmlns:r="http://schemas.openxmlformats.org/officeDocument/2006/relationships" xmlns:mc="http://schemas.openxmlformats.org/markup-compatibility/2006" xmlns:mv="urn:schemas-microsoft-com:mac:vml" xmlns:p="http://schemas.openxmlformats.org/presentationml/2006/main" xmlns:c="http://schemas.openxmlformats.org/drawingml/2006/chart" xmlns:dgm="http://schemas.openxmlformats.org/drawingml/2006/diagram" xmlns:o="urn:schemas-microsoft-com:office:office" xmlns:v="urn:schemas-microsoft-com:vml" xmlns:pvml="urn:schemas-microsoft-com:office:powerpoint" xmlns:com="http://schemas.openxmlformats.org/drawingml/2006/compatibility" xmlns:p14="http://schemas.microsoft.com/office/powerpoint/2010/main">
+<p:sldMaster xmlns:a="http://schemas.openxmlformats.org/drawingml/2006/main" xmlns:r="http://schemas.openxmlformats.org/officeDocument/2006/relationships" xmlns:p="http://schemas.openxmlformats.org/presentationml/2006/main">
   <p:cSld>
     <p:bg>
       <p:bgPr>
         <a:solidFill>
           <a:schemeClr val="lt1"/>
         </a:solidFill>
+        <a:effectLst/>
       </p:bgPr>
     </p:bg>
     <p:spTree>
       <p:nvGrpSpPr>
-        <p:cNvPr id="4" name="Shape 4"/>
+        <p:cNvPr id="1" name="Shape 4"/>
         <p:cNvGrpSpPr/>
         <p:nvPr/>
       </p:nvGrpSpPr>
@@ -2832,7 +3132,9 @@
       <p:sp>
         <p:nvSpPr>
           <p:cNvPr id="5" name="Shape 5"/>
-          <p:cNvSpPr txBox="1"/>
+          <p:cNvSpPr txBox="1">
+            <a:spLocks noGrp="1"/>
+          </p:cNvSpPr>
           <p:nvPr>
             <p:ph type="title"/>
           </p:nvPr>
@@ -2851,7 +3153,7 @@
           </a:ln>
         </p:spPr>
         <p:txBody>
-          <a:bodyPr anchorCtr="0" anchor="b" bIns="91425" lIns="91425" rIns="91425" tIns="91425"/>
+          <a:bodyPr lIns="91425" tIns="91425" rIns="91425" bIns="91425" anchor="b" anchorCtr="0"/>
           <a:lstStyle>
             <a:lvl1pPr>
               <a:spcBef>
@@ -2862,7 +3164,7 @@
               </a:buClr>
               <a:buSzPct val="100000"/>
               <a:buNone/>
-              <a:defRPr b="1" sz="3600">
+              <a:defRPr sz="3600" b="1">
                 <a:solidFill>
                   <a:schemeClr val="dk1"/>
                 </a:solidFill>
@@ -2877,7 +3179,7 @@
               </a:buClr>
               <a:buSzPct val="100000"/>
               <a:buNone/>
-              <a:defRPr b="1" sz="3600">
+              <a:defRPr sz="3600" b="1">
                 <a:solidFill>
                   <a:schemeClr val="dk1"/>
                 </a:solidFill>
@@ -2892,7 +3194,7 @@
               </a:buClr>
               <a:buSzPct val="100000"/>
               <a:buNone/>
-              <a:defRPr b="1" sz="3600">
+              <a:defRPr sz="3600" b="1">
                 <a:solidFill>
                   <a:schemeClr val="dk1"/>
                 </a:solidFill>
@@ -2907,7 +3209,7 @@
               </a:buClr>
               <a:buSzPct val="100000"/>
               <a:buNone/>
-              <a:defRPr b="1" sz="3600">
+              <a:defRPr sz="3600" b="1">
                 <a:solidFill>
                   <a:schemeClr val="dk1"/>
                 </a:solidFill>
@@ -2922,7 +3224,7 @@
               </a:buClr>
               <a:buSzPct val="100000"/>
               <a:buNone/>
-              <a:defRPr b="1" sz="3600">
+              <a:defRPr sz="3600" b="1">
                 <a:solidFill>
                   <a:schemeClr val="dk1"/>
                 </a:solidFill>
@@ -2937,7 +3239,7 @@
               </a:buClr>
               <a:buSzPct val="100000"/>
               <a:buNone/>
-              <a:defRPr b="1" sz="3600">
+              <a:defRPr sz="3600" b="1">
                 <a:solidFill>
                   <a:schemeClr val="dk1"/>
                 </a:solidFill>
@@ -2952,7 +3254,7 @@
               </a:buClr>
               <a:buSzPct val="100000"/>
               <a:buNone/>
-              <a:defRPr b="1" sz="3600">
+              <a:defRPr sz="3600" b="1">
                 <a:solidFill>
                   <a:schemeClr val="dk1"/>
                 </a:solidFill>
@@ -2967,7 +3269,7 @@
               </a:buClr>
               <a:buSzPct val="100000"/>
               <a:buNone/>
-              <a:defRPr b="1" sz="3600">
+              <a:defRPr sz="3600" b="1">
                 <a:solidFill>
                   <a:schemeClr val="dk1"/>
                 </a:solidFill>
@@ -2982,22 +3284,26 @@
               </a:buClr>
               <a:buSzPct val="100000"/>
               <a:buNone/>
-              <a:defRPr b="1" sz="3600">
+              <a:defRPr sz="3600" b="1">
                 <a:solidFill>
                   <a:schemeClr val="dk1"/>
                 </a:solidFill>
               </a:defRPr>
             </a:lvl9pPr>
           </a:lstStyle>
-          <a:p/>
+          <a:p>
+            <a:endParaRPr/>
+          </a:p>
         </p:txBody>
       </p:sp>
       <p:sp>
         <p:nvSpPr>
           <p:cNvPr id="6" name="Shape 6"/>
-          <p:cNvSpPr txBox="1"/>
+          <p:cNvSpPr txBox="1">
+            <a:spLocks noGrp="1"/>
+          </p:cNvSpPr>
           <p:nvPr>
-            <p:ph idx="1" type="body"/>
+            <p:ph type="body" idx="1"/>
           </p:nvPr>
         </p:nvSpPr>
         <p:spPr>
@@ -3014,7 +3320,7 @@
           </a:ln>
         </p:spPr>
         <p:txBody>
-          <a:bodyPr anchorCtr="0" anchor="t" bIns="91425" lIns="91425" rIns="91425" tIns="91425"/>
+          <a:bodyPr lIns="91425" tIns="91425" rIns="91425" bIns="91425" anchor="t" anchorCtr="0"/>
           <a:lstStyle>
             <a:lvl1pPr>
               <a:spcBef>
@@ -3143,15 +3449,19 @@
               </a:defRPr>
             </a:lvl9pPr>
           </a:lstStyle>
-          <a:p/>
+          <a:p>
+            <a:endParaRPr/>
+          </a:p>
         </p:txBody>
       </p:sp>
       <p:sp>
         <p:nvSpPr>
           <p:cNvPr id="7" name="Shape 7"/>
-          <p:cNvSpPr txBox="1"/>
+          <p:cNvSpPr txBox="1">
+            <a:spLocks noGrp="1"/>
+          </p:cNvSpPr>
           <p:nvPr>
-            <p:ph idx="12" type="sldNum"/>
+            <p:ph type="sldNum" idx="12"/>
           </p:nvPr>
         </p:nvSpPr>
         <p:spPr>
@@ -3168,7 +3478,7 @@
           </a:ln>
         </p:spPr>
         <p:txBody>
-          <a:bodyPr anchorCtr="0" anchor="ctr" bIns="91425" lIns="91425" rIns="91425" tIns="91425">
+          <a:bodyPr lIns="91425" tIns="91425" rIns="91425" bIns="91425" anchor="ctr" anchorCtr="0">
             <a:noAutofit/>
           </a:bodyPr>
           <a:lstStyle>
@@ -3195,12 +3505,13 @@
               <a:rPr lang="en"/>
               <a:t>‹#›</a:t>
             </a:fld>
+            <a:endParaRPr lang="en"/>
           </a:p>
         </p:txBody>
       </p:sp>
     </p:spTree>
   </p:cSld>
-  <p:clrMap accent1="accent1" accent2="accent2" accent3="accent3" accent4="accent4" accent5="accent5" accent6="accent6" bg1="lt1" bg2="dk2" tx1="dk1" tx2="lt2" folHlink="folHlink" hlink="hlink"/>
+  <p:clrMap bg1="lt1" tx1="dk1" bg2="dk2" tx2="lt2" accent1="accent1" accent2="accent2" accent3="accent3" accent4="accent4" accent5="accent5" accent6="accent6" hlink="hlink" folHlink="folHlink"/>
   <p:sldLayoutIdLst>
     <p:sldLayoutId id="2147483648" r:id="rId1"/>
     <p:sldLayoutId id="2147483649" r:id="rId2"/>
@@ -3209,10 +3520,10 @@
     <p:sldLayoutId id="2147483652" r:id="rId5"/>
     <p:sldLayoutId id="2147483653" r:id="rId6"/>
   </p:sldLayoutIdLst>
-  <p:hf dt="0" ftr="0" hdr="0" sldNum="0"/>
+  <p:hf sldNum="0" hdr="0" ftr="0" dt="0"/>
   <p:txStyles>
     <p:titleStyle>
-      <a:defPPr marR="0" rtl="0" algn="l">
+      <a:defPPr marR="0" algn="l" rtl="0">
         <a:lnSpc>
           <a:spcPct val="100000"/>
         </a:lnSpc>
@@ -3223,7 +3534,7 @@
           <a:spcPts val="0"/>
         </a:spcAft>
       </a:defPPr>
-      <a:lvl1pPr marR="0" rtl="0" algn="l">
+      <a:lvl1pPr marR="0" algn="l" rtl="0">
         <a:lnSpc>
           <a:spcPct val="100000"/>
         </a:lnSpc>
@@ -3234,7 +3545,7 @@
           <a:spcPts val="0"/>
         </a:spcAft>
         <a:buNone/>
-        <a:defRPr b="0" baseline="0" i="0" sz="1400" u="none" cap="none" strike="noStrike">
+        <a:defRPr sz="1400" b="0" i="0" u="none" strike="noStrike" cap="none" baseline="0">
           <a:solidFill>
             <a:srgbClr val="000000"/>
           </a:solidFill>
@@ -3245,7 +3556,7 @@
           <a:rtl val="0"/>
         </a:defRPr>
       </a:lvl1pPr>
-      <a:lvl2pPr marR="0" rtl="0" algn="l">
+      <a:lvl2pPr marR="0" algn="l" rtl="0">
         <a:lnSpc>
           <a:spcPct val="100000"/>
         </a:lnSpc>
@@ -3256,7 +3567,7 @@
           <a:spcPts val="0"/>
         </a:spcAft>
         <a:buNone/>
-        <a:defRPr b="0" baseline="0" i="0" sz="1400" u="none" cap="none" strike="noStrike">
+        <a:defRPr sz="1400" b="0" i="0" u="none" strike="noStrike" cap="none" baseline="0">
           <a:solidFill>
             <a:srgbClr val="000000"/>
           </a:solidFill>
@@ -3269,7 +3580,7 @@
       </a:lvl2pPr>
     </p:titleStyle>
     <p:bodyStyle>
-      <a:defPPr marR="0" rtl="0" algn="l">
+      <a:defPPr marR="0" algn="l" rtl="0">
         <a:lnSpc>
           <a:spcPct val="100000"/>
         </a:lnSpc>
@@ -3280,7 +3591,7 @@
           <a:spcPts val="0"/>
         </a:spcAft>
       </a:defPPr>
-      <a:lvl1pPr marR="0" rtl="0" algn="l">
+      <a:lvl1pPr marR="0" algn="l" rtl="0">
         <a:lnSpc>
           <a:spcPct val="100000"/>
         </a:lnSpc>
@@ -3291,7 +3602,7 @@
           <a:spcPts val="0"/>
         </a:spcAft>
         <a:buNone/>
-        <a:defRPr b="0" baseline="0" i="0" sz="1400" u="none" cap="none" strike="noStrike">
+        <a:defRPr sz="1400" b="0" i="0" u="none" strike="noStrike" cap="none" baseline="0">
           <a:solidFill>
             <a:srgbClr val="000000"/>
           </a:solidFill>
@@ -3302,7 +3613,7 @@
           <a:rtl val="0"/>
         </a:defRPr>
       </a:lvl1pPr>
-      <a:lvl2pPr marR="0" rtl="0" algn="l">
+      <a:lvl2pPr marR="0" algn="l" rtl="0">
         <a:lnSpc>
           <a:spcPct val="100000"/>
         </a:lnSpc>
@@ -3313,7 +3624,7 @@
           <a:spcPts val="0"/>
         </a:spcAft>
         <a:buNone/>
-        <a:defRPr b="0" baseline="0" i="0" sz="1400" u="none" cap="none" strike="noStrike">
+        <a:defRPr sz="1400" b="0" i="0" u="none" strike="noStrike" cap="none" baseline="0">
           <a:solidFill>
             <a:srgbClr val="000000"/>
           </a:solidFill>
@@ -3324,7 +3635,7 @@
           <a:rtl val="0"/>
         </a:defRPr>
       </a:lvl2pPr>
-      <a:lvl3pPr marR="0" rtl="0" algn="l">
+      <a:lvl3pPr marR="0" algn="l" rtl="0">
         <a:lnSpc>
           <a:spcPct val="100000"/>
         </a:lnSpc>
@@ -3335,7 +3646,7 @@
           <a:spcPts val="0"/>
         </a:spcAft>
         <a:buNone/>
-        <a:defRPr b="0" baseline="0" i="0" sz="1400" u="none" cap="none" strike="noStrike">
+        <a:defRPr sz="1400" b="0" i="0" u="none" strike="noStrike" cap="none" baseline="0">
           <a:solidFill>
             <a:srgbClr val="000000"/>
           </a:solidFill>
@@ -3346,7 +3657,7 @@
           <a:rtl val="0"/>
         </a:defRPr>
       </a:lvl3pPr>
-      <a:lvl4pPr marR="0" rtl="0" algn="l">
+      <a:lvl4pPr marR="0" algn="l" rtl="0">
         <a:lnSpc>
           <a:spcPct val="100000"/>
         </a:lnSpc>
@@ -3357,7 +3668,7 @@
           <a:spcPts val="0"/>
         </a:spcAft>
         <a:buNone/>
-        <a:defRPr b="0" baseline="0" i="0" sz="1400" u="none" cap="none" strike="noStrike">
+        <a:defRPr sz="1400" b="0" i="0" u="none" strike="noStrike" cap="none" baseline="0">
           <a:solidFill>
             <a:srgbClr val="000000"/>
           </a:solidFill>
@@ -3368,7 +3679,7 @@
           <a:rtl val="0"/>
         </a:defRPr>
       </a:lvl4pPr>
-      <a:lvl5pPr marR="0" rtl="0" algn="l">
+      <a:lvl5pPr marR="0" algn="l" rtl="0">
         <a:lnSpc>
           <a:spcPct val="100000"/>
         </a:lnSpc>
@@ -3379,7 +3690,7 @@
           <a:spcPts val="0"/>
         </a:spcAft>
         <a:buNone/>
-        <a:defRPr b="0" baseline="0" i="0" sz="1400" u="none" cap="none" strike="noStrike">
+        <a:defRPr sz="1400" b="0" i="0" u="none" strike="noStrike" cap="none" baseline="0">
           <a:solidFill>
             <a:srgbClr val="000000"/>
           </a:solidFill>
@@ -3390,7 +3701,7 @@
           <a:rtl val="0"/>
         </a:defRPr>
       </a:lvl5pPr>
-      <a:lvl6pPr marR="0" rtl="0" algn="l">
+      <a:lvl6pPr marR="0" algn="l" rtl="0">
         <a:lnSpc>
           <a:spcPct val="100000"/>
         </a:lnSpc>
@@ -3401,7 +3712,7 @@
           <a:spcPts val="0"/>
         </a:spcAft>
         <a:buNone/>
-        <a:defRPr b="0" baseline="0" i="0" sz="1400" u="none" cap="none" strike="noStrike">
+        <a:defRPr sz="1400" b="0" i="0" u="none" strike="noStrike" cap="none" baseline="0">
           <a:solidFill>
             <a:srgbClr val="000000"/>
           </a:solidFill>
@@ -3412,7 +3723,7 @@
           <a:rtl val="0"/>
         </a:defRPr>
       </a:lvl6pPr>
-      <a:lvl7pPr marR="0" rtl="0" algn="l">
+      <a:lvl7pPr marR="0" algn="l" rtl="0">
         <a:lnSpc>
           <a:spcPct val="100000"/>
         </a:lnSpc>
@@ -3423,7 +3734,7 @@
           <a:spcPts val="0"/>
         </a:spcAft>
         <a:buNone/>
-        <a:defRPr b="0" baseline="0" i="0" sz="1400" u="none" cap="none" strike="noStrike">
+        <a:defRPr sz="1400" b="0" i="0" u="none" strike="noStrike" cap="none" baseline="0">
           <a:solidFill>
             <a:srgbClr val="000000"/>
           </a:solidFill>
@@ -3434,7 +3745,7 @@
           <a:rtl val="0"/>
         </a:defRPr>
       </a:lvl7pPr>
-      <a:lvl8pPr marR="0" rtl="0" algn="l">
+      <a:lvl8pPr marR="0" algn="l" rtl="0">
         <a:lnSpc>
           <a:spcPct val="100000"/>
         </a:lnSpc>
@@ -3445,7 +3756,7 @@
           <a:spcPts val="0"/>
         </a:spcAft>
         <a:buNone/>
-        <a:defRPr b="0" baseline="0" i="0" sz="1400" u="none" cap="none" strike="noStrike">
+        <a:defRPr sz="1400" b="0" i="0" u="none" strike="noStrike" cap="none" baseline="0">
           <a:solidFill>
             <a:srgbClr val="000000"/>
           </a:solidFill>
@@ -3456,7 +3767,7 @@
           <a:rtl val="0"/>
         </a:defRPr>
       </a:lvl8pPr>
-      <a:lvl9pPr marR="0" rtl="0" algn="l">
+      <a:lvl9pPr marR="0" algn="l" rtl="0">
         <a:lnSpc>
           <a:spcPct val="100000"/>
         </a:lnSpc>
@@ -3467,7 +3778,7 @@
           <a:spcPts val="0"/>
         </a:spcAft>
         <a:buNone/>
-        <a:defRPr b="0" baseline="0" i="0" sz="1400" u="none" cap="none" strike="noStrike">
+        <a:defRPr sz="1400" b="0" i="0" u="none" strike="noStrike" cap="none" baseline="0">
           <a:solidFill>
             <a:srgbClr val="000000"/>
           </a:solidFill>
@@ -3480,7 +3791,7 @@
       </a:lvl9pPr>
     </p:bodyStyle>
     <p:otherStyle>
-      <a:defPPr marR="0" rtl="0" algn="l">
+      <a:defPPr marR="0" algn="l" rtl="0">
         <a:lnSpc>
           <a:spcPct val="100000"/>
         </a:lnSpc>
@@ -3491,7 +3802,7 @@
           <a:spcPts val="0"/>
         </a:spcAft>
       </a:defPPr>
-      <a:lvl1pPr marR="0" rtl="0" algn="l">
+      <a:lvl1pPr marR="0" algn="l" rtl="0">
         <a:lnSpc>
           <a:spcPct val="100000"/>
         </a:lnSpc>
@@ -3502,7 +3813,7 @@
           <a:spcPts val="0"/>
         </a:spcAft>
         <a:buNone/>
-        <a:defRPr b="0" baseline="0" i="0" sz="1400" u="none" cap="none" strike="noStrike">
+        <a:defRPr sz="1400" b="0" i="0" u="none" strike="noStrike" cap="none" baseline="0">
           <a:solidFill>
             <a:srgbClr val="000000"/>
           </a:solidFill>
@@ -3513,7 +3824,7 @@
           <a:rtl val="0"/>
         </a:defRPr>
       </a:lvl1pPr>
-      <a:lvl2pPr marR="0" rtl="0" algn="l">
+      <a:lvl2pPr marR="0" algn="l" rtl="0">
         <a:lnSpc>
           <a:spcPct val="100000"/>
         </a:lnSpc>
@@ -3524,7 +3835,7 @@
           <a:spcPts val="0"/>
         </a:spcAft>
         <a:buNone/>
-        <a:defRPr b="0" baseline="0" i="0" sz="1400" u="none" cap="none" strike="noStrike">
+        <a:defRPr sz="1400" b="0" i="0" u="none" strike="noStrike" cap="none" baseline="0">
           <a:solidFill>
             <a:srgbClr val="000000"/>
           </a:solidFill>
@@ -3535,7 +3846,7 @@
           <a:rtl val="0"/>
         </a:defRPr>
       </a:lvl2pPr>
-      <a:lvl3pPr marR="0" rtl="0" algn="l">
+      <a:lvl3pPr marR="0" algn="l" rtl="0">
         <a:lnSpc>
           <a:spcPct val="100000"/>
         </a:lnSpc>
@@ -3546,7 +3857,7 @@
           <a:spcPts val="0"/>
         </a:spcAft>
         <a:buNone/>
-        <a:defRPr b="0" baseline="0" i="0" sz="1400" u="none" cap="none" strike="noStrike">
+        <a:defRPr sz="1400" b="0" i="0" u="none" strike="noStrike" cap="none" baseline="0">
           <a:solidFill>
             <a:srgbClr val="000000"/>
           </a:solidFill>
@@ -3557,7 +3868,7 @@
           <a:rtl val="0"/>
         </a:defRPr>
       </a:lvl3pPr>
-      <a:lvl4pPr marR="0" rtl="0" algn="l">
+      <a:lvl4pPr marR="0" algn="l" rtl="0">
         <a:lnSpc>
           <a:spcPct val="100000"/>
         </a:lnSpc>
@@ -3568,7 +3879,7 @@
           <a:spcPts val="0"/>
         </a:spcAft>
         <a:buNone/>
-        <a:defRPr b="0" baseline="0" i="0" sz="1400" u="none" cap="none" strike="noStrike">
+        <a:defRPr sz="1400" b="0" i="0" u="none" strike="noStrike" cap="none" baseline="0">
           <a:solidFill>
             <a:srgbClr val="000000"/>
           </a:solidFill>
@@ -3579,7 +3890,7 @@
           <a:rtl val="0"/>
         </a:defRPr>
       </a:lvl4pPr>
-      <a:lvl5pPr marR="0" rtl="0" algn="l">
+      <a:lvl5pPr marR="0" algn="l" rtl="0">
         <a:lnSpc>
           <a:spcPct val="100000"/>
         </a:lnSpc>
@@ -3590,7 +3901,7 @@
           <a:spcPts val="0"/>
         </a:spcAft>
         <a:buNone/>
-        <a:defRPr b="0" baseline="0" i="0" sz="1400" u="none" cap="none" strike="noStrike">
+        <a:defRPr sz="1400" b="0" i="0" u="none" strike="noStrike" cap="none" baseline="0">
           <a:solidFill>
             <a:srgbClr val="000000"/>
           </a:solidFill>
@@ -3601,7 +3912,7 @@
           <a:rtl val="0"/>
         </a:defRPr>
       </a:lvl5pPr>
-      <a:lvl6pPr marR="0" rtl="0" algn="l">
+      <a:lvl6pPr marR="0" algn="l" rtl="0">
         <a:lnSpc>
           <a:spcPct val="100000"/>
         </a:lnSpc>
@@ -3612,7 +3923,7 @@
           <a:spcPts val="0"/>
         </a:spcAft>
         <a:buNone/>
-        <a:defRPr b="0" baseline="0" i="0" sz="1400" u="none" cap="none" strike="noStrike">
+        <a:defRPr sz="1400" b="0" i="0" u="none" strike="noStrike" cap="none" baseline="0">
           <a:solidFill>
             <a:srgbClr val="000000"/>
           </a:solidFill>
@@ -3623,7 +3934,7 @@
           <a:rtl val="0"/>
         </a:defRPr>
       </a:lvl6pPr>
-      <a:lvl7pPr marR="0" rtl="0" algn="l">
+      <a:lvl7pPr marR="0" algn="l" rtl="0">
         <a:lnSpc>
           <a:spcPct val="100000"/>
         </a:lnSpc>
@@ -3634,7 +3945,7 @@
           <a:spcPts val="0"/>
         </a:spcAft>
         <a:buNone/>
-        <a:defRPr b="0" baseline="0" i="0" sz="1400" u="none" cap="none" strike="noStrike">
+        <a:defRPr sz="1400" b="0" i="0" u="none" strike="noStrike" cap="none" baseline="0">
           <a:solidFill>
             <a:srgbClr val="000000"/>
           </a:solidFill>
@@ -3645,7 +3956,7 @@
           <a:rtl val="0"/>
         </a:defRPr>
       </a:lvl7pPr>
-      <a:lvl8pPr marR="0" rtl="0" algn="l">
+      <a:lvl8pPr marR="0" algn="l" rtl="0">
         <a:lnSpc>
           <a:spcPct val="100000"/>
         </a:lnSpc>
@@ -3656,7 +3967,7 @@
           <a:spcPts val="0"/>
         </a:spcAft>
         <a:buNone/>
-        <a:defRPr b="0" baseline="0" i="0" sz="1400" u="none" cap="none" strike="noStrike">
+        <a:defRPr sz="1400" b="0" i="0" u="none" strike="noStrike" cap="none" baseline="0">
           <a:solidFill>
             <a:srgbClr val="000000"/>
           </a:solidFill>
@@ -3667,7 +3978,7 @@
           <a:rtl val="0"/>
         </a:defRPr>
       </a:lvl8pPr>
-      <a:lvl9pPr marR="0" rtl="0" algn="l">
+      <a:lvl9pPr marR="0" algn="l" rtl="0">
         <a:lnSpc>
           <a:spcPct val="100000"/>
         </a:lnSpc>
@@ -3678,7 +3989,7 @@
           <a:spcPts val="0"/>
         </a:spcAft>
         <a:buNone/>
-        <a:defRPr b="0" baseline="0" i="0" sz="1400" u="none" cap="none" strike="noStrike">
+        <a:defRPr sz="1400" b="0" i="0" u="none" strike="noStrike" cap="none" baseline="0">
           <a:solidFill>
             <a:srgbClr val="000000"/>
           </a:solidFill>
@@ -3695,11 +4006,11 @@
 </file>
 
 <file path=ppt/slides/slide1.xml><?xml version="1.0" encoding="utf-8"?>
-<p:sld xmlns:a="http://schemas.openxmlformats.org/drawingml/2006/main" xmlns:r="http://schemas.openxmlformats.org/officeDocument/2006/relationships" xmlns:mc="http://schemas.openxmlformats.org/markup-compatibility/2006" xmlns:mv="urn:schemas-microsoft-com:mac:vml" xmlns:p="http://schemas.openxmlformats.org/presentationml/2006/main" xmlns:c="http://schemas.openxmlformats.org/drawingml/2006/chart" xmlns:dgm="http://schemas.openxmlformats.org/drawingml/2006/diagram" xmlns:o="urn:schemas-microsoft-com:office:office" xmlns:v="urn:schemas-microsoft-com:vml" xmlns:pvml="urn:schemas-microsoft-com:office:powerpoint" xmlns:com="http://schemas.openxmlformats.org/drawingml/2006/compatibility" xmlns:p14="http://schemas.microsoft.com/office/powerpoint/2010/main">
+<p:sld xmlns:a="http://schemas.openxmlformats.org/drawingml/2006/main" xmlns:r="http://schemas.openxmlformats.org/officeDocument/2006/relationships" xmlns:p="http://schemas.openxmlformats.org/presentationml/2006/main">
   <p:cSld>
     <p:spTree>
       <p:nvGrpSpPr>
-        <p:cNvPr id="29" name="Shape 29"/>
+        <p:cNvPr id="1" name="Shape 29"/>
         <p:cNvGrpSpPr/>
         <p:nvPr/>
       </p:nvGrpSpPr>
@@ -3714,7 +4025,9 @@
       <p:sp>
         <p:nvSpPr>
           <p:cNvPr id="30" name="Shape 30"/>
-          <p:cNvSpPr txBox="1"/>
+          <p:cNvSpPr txBox="1">
+            <a:spLocks noGrp="1"/>
+          </p:cNvSpPr>
           <p:nvPr>
             <p:ph type="ctrTitle"/>
           </p:nvPr>
@@ -3729,7 +4042,7 @@
           </a:prstGeom>
         </p:spPr>
         <p:txBody>
-          <a:bodyPr anchorCtr="0" anchor="b" bIns="91425" lIns="91425" rIns="91425" tIns="91425">
+          <a:bodyPr lIns="91425" tIns="91425" rIns="91425" bIns="91425" anchor="b" anchorCtr="0">
             <a:noAutofit/>
           </a:bodyPr>
           <a:lstStyle/>
@@ -3750,9 +4063,11 @@
       <p:sp>
         <p:nvSpPr>
           <p:cNvPr id="31" name="Shape 31"/>
-          <p:cNvSpPr txBox="1"/>
+          <p:cNvSpPr txBox="1">
+            <a:spLocks noGrp="1"/>
+          </p:cNvSpPr>
           <p:nvPr>
-            <p:ph idx="1" type="subTitle"/>
+            <p:ph type="subTitle" idx="1"/>
           </p:nvPr>
         </p:nvSpPr>
         <p:spPr>
@@ -3765,7 +4080,7 @@
           </a:prstGeom>
         </p:spPr>
         <p:txBody>
-          <a:bodyPr anchorCtr="0" anchor="t" bIns="91425" lIns="91425" rIns="91425" tIns="91425">
+          <a:bodyPr lIns="91425" tIns="91425" rIns="91425" bIns="91425" anchor="t" anchorCtr="0">
             <a:noAutofit/>
           </a:bodyPr>
           <a:lstStyle/>
@@ -3812,11 +4127,11 @@
 </file>
 
 <file path=ppt/slides/slide10.xml><?xml version="1.0" encoding="utf-8"?>
-<p:sld xmlns:a="http://schemas.openxmlformats.org/drawingml/2006/main" xmlns:r="http://schemas.openxmlformats.org/officeDocument/2006/relationships" xmlns:mc="http://schemas.openxmlformats.org/markup-compatibility/2006" xmlns:mv="urn:schemas-microsoft-com:mac:vml" xmlns:p="http://schemas.openxmlformats.org/presentationml/2006/main" xmlns:c="http://schemas.openxmlformats.org/drawingml/2006/chart" xmlns:dgm="http://schemas.openxmlformats.org/drawingml/2006/diagram" xmlns:o="urn:schemas-microsoft-com:office:office" xmlns:v="urn:schemas-microsoft-com:vml" xmlns:pvml="urn:schemas-microsoft-com:office:powerpoint" xmlns:com="http://schemas.openxmlformats.org/drawingml/2006/compatibility" xmlns:p14="http://schemas.microsoft.com/office/powerpoint/2010/main">
+<p:sld xmlns:a="http://schemas.openxmlformats.org/drawingml/2006/main" xmlns:r="http://schemas.openxmlformats.org/officeDocument/2006/relationships" xmlns:p="http://schemas.openxmlformats.org/presentationml/2006/main">
   <p:cSld>
     <p:spTree>
       <p:nvGrpSpPr>
-        <p:cNvPr id="84" name="Shape 84"/>
+        <p:cNvPr id="1" name="Shape 84"/>
         <p:cNvGrpSpPr/>
         <p:nvPr/>
       </p:nvGrpSpPr>
@@ -3831,9 +4146,11 @@
       <p:sp>
         <p:nvSpPr>
           <p:cNvPr id="85" name="Shape 85"/>
-          <p:cNvSpPr txBox="1"/>
+          <p:cNvSpPr txBox="1">
+            <a:spLocks noGrp="1"/>
+          </p:cNvSpPr>
           <p:nvPr>
-            <p:ph idx="1" type="body"/>
+            <p:ph type="body" idx="1"/>
           </p:nvPr>
         </p:nvSpPr>
         <p:spPr>
@@ -3846,12 +4163,12 @@
           </a:prstGeom>
         </p:spPr>
         <p:txBody>
-          <a:bodyPr anchorCtr="0" anchor="t" bIns="91425" lIns="91425" rIns="91425" tIns="91425">
+          <a:bodyPr lIns="91425" tIns="91425" rIns="91425" bIns="91425" anchor="t" anchorCtr="0">
             <a:noAutofit/>
           </a:bodyPr>
           <a:lstStyle/>
           <a:p>
-            <a:pPr indent="-419100" lvl="0" marL="457200">
+            <a:pPr marL="457200" lvl="0" indent="-419100">
               <a:spcBef>
                 <a:spcPts val="0"/>
               </a:spcBef>
@@ -3937,11 +4254,11 @@
 </file>
 
 <file path=ppt/slides/slide11.xml><?xml version="1.0" encoding="utf-8"?>
-<p:sld xmlns:a="http://schemas.openxmlformats.org/drawingml/2006/main" xmlns:r="http://schemas.openxmlformats.org/officeDocument/2006/relationships" xmlns:mc="http://schemas.openxmlformats.org/markup-compatibility/2006" xmlns:mv="urn:schemas-microsoft-com:mac:vml" xmlns:p="http://schemas.openxmlformats.org/presentationml/2006/main" xmlns:c="http://schemas.openxmlformats.org/drawingml/2006/chart" xmlns:dgm="http://schemas.openxmlformats.org/drawingml/2006/diagram" xmlns:o="urn:schemas-microsoft-com:office:office" xmlns:v="urn:schemas-microsoft-com:vml" xmlns:pvml="urn:schemas-microsoft-com:office:powerpoint" xmlns:com="http://schemas.openxmlformats.org/drawingml/2006/compatibility" xmlns:p14="http://schemas.microsoft.com/office/powerpoint/2010/main">
+<p:sld xmlns:a="http://schemas.openxmlformats.org/drawingml/2006/main" xmlns:r="http://schemas.openxmlformats.org/officeDocument/2006/relationships" xmlns:p="http://schemas.openxmlformats.org/presentationml/2006/main">
   <p:cSld>
     <p:spTree>
       <p:nvGrpSpPr>
-        <p:cNvPr id="91" name="Shape 91"/>
+        <p:cNvPr id="1" name="Shape 91"/>
         <p:cNvGrpSpPr/>
         <p:nvPr/>
       </p:nvGrpSpPr>
@@ -3956,9 +4273,11 @@
       <p:sp>
         <p:nvSpPr>
           <p:cNvPr id="92" name="Shape 92"/>
-          <p:cNvSpPr txBox="1"/>
+          <p:cNvSpPr txBox="1">
+            <a:spLocks noGrp="1"/>
+          </p:cNvSpPr>
           <p:nvPr>
-            <p:ph idx="1" type="body"/>
+            <p:ph type="body" idx="1"/>
           </p:nvPr>
         </p:nvSpPr>
         <p:spPr>
@@ -3971,12 +4290,12 @@
           </a:prstGeom>
         </p:spPr>
         <p:txBody>
-          <a:bodyPr anchorCtr="0" anchor="t" bIns="91425" lIns="91425" rIns="91425" tIns="91425">
+          <a:bodyPr lIns="91425" tIns="91425" rIns="91425" bIns="91425" anchor="t" anchorCtr="0">
             <a:noAutofit/>
           </a:bodyPr>
           <a:lstStyle/>
           <a:p>
-            <a:pPr indent="-419100" lvl="0" marL="457200">
+            <a:pPr marL="457200" lvl="0" indent="-419100">
               <a:spcBef>
                 <a:spcPts val="0"/>
               </a:spcBef>
@@ -4062,11 +4381,11 @@
 </file>
 
 <file path=ppt/slides/slide12.xml><?xml version="1.0" encoding="utf-8"?>
-<p:sld xmlns:a="http://schemas.openxmlformats.org/drawingml/2006/main" xmlns:r="http://schemas.openxmlformats.org/officeDocument/2006/relationships" xmlns:mc="http://schemas.openxmlformats.org/markup-compatibility/2006" xmlns:mv="urn:schemas-microsoft-com:mac:vml" xmlns:p="http://schemas.openxmlformats.org/presentationml/2006/main" xmlns:c="http://schemas.openxmlformats.org/drawingml/2006/chart" xmlns:dgm="http://schemas.openxmlformats.org/drawingml/2006/diagram" xmlns:o="urn:schemas-microsoft-com:office:office" xmlns:v="urn:schemas-microsoft-com:vml" xmlns:pvml="urn:schemas-microsoft-com:office:powerpoint" xmlns:com="http://schemas.openxmlformats.org/drawingml/2006/compatibility" xmlns:p14="http://schemas.microsoft.com/office/powerpoint/2010/main">
+<p:sld xmlns:a="http://schemas.openxmlformats.org/drawingml/2006/main" xmlns:r="http://schemas.openxmlformats.org/officeDocument/2006/relationships" xmlns:p="http://schemas.openxmlformats.org/presentationml/2006/main">
   <p:cSld>
     <p:spTree>
       <p:nvGrpSpPr>
-        <p:cNvPr id="98" name="Shape 98"/>
+        <p:cNvPr id="1" name="Shape 98"/>
         <p:cNvGrpSpPr/>
         <p:nvPr/>
       </p:nvGrpSpPr>
@@ -4081,7 +4400,9 @@
       <p:sp>
         <p:nvSpPr>
           <p:cNvPr id="99" name="Shape 99"/>
-          <p:cNvSpPr txBox="1"/>
+          <p:cNvSpPr txBox="1">
+            <a:spLocks noGrp="1"/>
+          </p:cNvSpPr>
           <p:nvPr>
             <p:ph type="title"/>
           </p:nvPr>
@@ -4096,7 +4417,7 @@
           </a:prstGeom>
         </p:spPr>
         <p:txBody>
-          <a:bodyPr anchorCtr="0" anchor="b" bIns="91425" lIns="91425" rIns="91425" tIns="91425">
+          <a:bodyPr lIns="91425" tIns="91425" rIns="91425" bIns="91425" anchor="b" anchorCtr="0">
             <a:noAutofit/>
           </a:bodyPr>
           <a:lstStyle/>
@@ -4130,7 +4451,7 @@
         </p:blipFill>
         <p:spPr>
           <a:xfrm>
-            <a:off x="4531812" y="2483337"/>
+            <a:off x="3992642" y="2938315"/>
             <a:ext cx="1337874" cy="1337874"/>
           </a:xfrm>
           <a:prstGeom prst="rect">
@@ -4158,7 +4479,7 @@
         </p:blipFill>
         <p:spPr>
           <a:xfrm>
-            <a:off x="5444000" y="1284425"/>
+            <a:off x="4915844" y="1626062"/>
             <a:ext cx="2245125" cy="977874"/>
           </a:xfrm>
           <a:prstGeom prst="rect">
@@ -4186,7 +4507,7 @@
         </p:blipFill>
         <p:spPr>
           <a:xfrm>
-            <a:off x="5788300" y="3682275"/>
+            <a:off x="6086251" y="3826113"/>
             <a:ext cx="2012249" cy="1207349"/>
           </a:xfrm>
           <a:prstGeom prst="rect">
@@ -4270,7 +4591,7 @@
         </p:blipFill>
         <p:spPr>
           <a:xfrm>
-            <a:off x="5920920" y="2399900"/>
+            <a:off x="6566562" y="2726087"/>
             <a:ext cx="1466812" cy="977875"/>
           </a:xfrm>
           <a:prstGeom prst="rect">
@@ -4280,6 +4601,36 @@
           <a:ln>
             <a:noFill/>
           </a:ln>
+        </p:spPr>
+      </p:pic>
+      <p:pic>
+        <p:nvPicPr>
+          <p:cNvPr id="3" name="Obrázok 2"/>
+          <p:cNvPicPr>
+            <a:picLocks noChangeAspect="1"/>
+          </p:cNvPicPr>
+          <p:nvPr/>
+        </p:nvPicPr>
+        <p:blipFill>
+          <a:blip r:embed="rId9">
+            <a:extLst>
+              <a:ext uri="{28A0092B-C50C-407E-A947-70E740481C1C}">
+                <a14:useLocalDpi xmlns:a14="http://schemas.microsoft.com/office/drawing/2010/main" val="0"/>
+              </a:ext>
+            </a:extLst>
+          </a:blip>
+          <a:stretch>
+            <a:fillRect/>
+          </a:stretch>
+        </p:blipFill>
+        <p:spPr>
+          <a:xfrm>
+            <a:off x="5320242" y="373170"/>
+            <a:ext cx="3048000" cy="971550"/>
+          </a:xfrm>
+          <a:prstGeom prst="rect">
+            <a:avLst/>
+          </a:prstGeom>
         </p:spPr>
       </p:pic>
     </p:spTree>
@@ -4294,11 +4645,11 @@
 </file>
 
 <file path=ppt/slides/slide2.xml><?xml version="1.0" encoding="utf-8"?>
-<p:sld xmlns:a="http://schemas.openxmlformats.org/drawingml/2006/main" xmlns:r="http://schemas.openxmlformats.org/officeDocument/2006/relationships" xmlns:mc="http://schemas.openxmlformats.org/markup-compatibility/2006" xmlns:mv="urn:schemas-microsoft-com:mac:vml" xmlns:p="http://schemas.openxmlformats.org/presentationml/2006/main" xmlns:c="http://schemas.openxmlformats.org/drawingml/2006/chart" xmlns:dgm="http://schemas.openxmlformats.org/drawingml/2006/diagram" xmlns:o="urn:schemas-microsoft-com:office:office" xmlns:v="urn:schemas-microsoft-com:vml" xmlns:pvml="urn:schemas-microsoft-com:office:powerpoint" xmlns:com="http://schemas.openxmlformats.org/drawingml/2006/compatibility" xmlns:p14="http://schemas.microsoft.com/office/powerpoint/2010/main">
+<p:sld xmlns:a="http://schemas.openxmlformats.org/drawingml/2006/main" xmlns:r="http://schemas.openxmlformats.org/officeDocument/2006/relationships" xmlns:p="http://schemas.openxmlformats.org/presentationml/2006/main">
   <p:cSld>
     <p:spTree>
       <p:nvGrpSpPr>
-        <p:cNvPr id="35" name="Shape 35"/>
+        <p:cNvPr id="1" name="Shape 35"/>
         <p:cNvGrpSpPr/>
         <p:nvPr/>
       </p:nvGrpSpPr>
@@ -4313,7 +4664,9 @@
       <p:sp>
         <p:nvSpPr>
           <p:cNvPr id="36" name="Shape 36"/>
-          <p:cNvSpPr txBox="1"/>
+          <p:cNvSpPr txBox="1">
+            <a:spLocks noGrp="1"/>
+          </p:cNvSpPr>
           <p:nvPr>
             <p:ph type="title"/>
           </p:nvPr>
@@ -4328,7 +4681,7 @@
           </a:prstGeom>
         </p:spPr>
         <p:txBody>
-          <a:bodyPr anchorCtr="0" anchor="b" bIns="91425" lIns="91425" rIns="91425" tIns="91425">
+          <a:bodyPr lIns="91425" tIns="91425" rIns="91425" bIns="91425" anchor="b" anchorCtr="0">
             <a:noAutofit/>
           </a:bodyPr>
           <a:lstStyle/>
@@ -4349,9 +4702,11 @@
       <p:sp>
         <p:nvSpPr>
           <p:cNvPr id="37" name="Shape 37"/>
-          <p:cNvSpPr txBox="1"/>
+          <p:cNvSpPr txBox="1">
+            <a:spLocks noGrp="1"/>
+          </p:cNvSpPr>
           <p:nvPr>
-            <p:ph idx="1" type="body"/>
+            <p:ph type="body" idx="1"/>
           </p:nvPr>
         </p:nvSpPr>
         <p:spPr>
@@ -4364,7 +4719,7 @@
           </a:prstGeom>
         </p:spPr>
         <p:txBody>
-          <a:bodyPr anchorCtr="0" anchor="t" bIns="91425" lIns="91425" rIns="91425" tIns="91425">
+          <a:bodyPr lIns="91425" tIns="91425" rIns="91425" bIns="91425" anchor="t" anchorCtr="0">
             <a:noAutofit/>
           </a:bodyPr>
           <a:lstStyle/>
@@ -4375,9 +4730,6 @@
               </a:spcBef>
               <a:buNone/>
             </a:pPr>
-            <a:r>
-              <a:t/>
-            </a:r>
             <a:endParaRPr/>
           </a:p>
         </p:txBody>
@@ -4394,11 +4746,11 @@
 </file>
 
 <file path=ppt/slides/slide3.xml><?xml version="1.0" encoding="utf-8"?>
-<p:sld xmlns:a="http://schemas.openxmlformats.org/drawingml/2006/main" xmlns:r="http://schemas.openxmlformats.org/officeDocument/2006/relationships" xmlns:mc="http://schemas.openxmlformats.org/markup-compatibility/2006" xmlns:mv="urn:schemas-microsoft-com:mac:vml" xmlns:p="http://schemas.openxmlformats.org/presentationml/2006/main" xmlns:c="http://schemas.openxmlformats.org/drawingml/2006/chart" xmlns:dgm="http://schemas.openxmlformats.org/drawingml/2006/diagram" xmlns:o="urn:schemas-microsoft-com:office:office" xmlns:v="urn:schemas-microsoft-com:vml" xmlns:pvml="urn:schemas-microsoft-com:office:powerpoint" xmlns:com="http://schemas.openxmlformats.org/drawingml/2006/compatibility" xmlns:p14="http://schemas.microsoft.com/office/powerpoint/2010/main">
+<p:sld xmlns:a="http://schemas.openxmlformats.org/drawingml/2006/main" xmlns:r="http://schemas.openxmlformats.org/officeDocument/2006/relationships" xmlns:p="http://schemas.openxmlformats.org/presentationml/2006/main">
   <p:cSld>
     <p:spTree>
       <p:nvGrpSpPr>
-        <p:cNvPr id="41" name="Shape 41"/>
+        <p:cNvPr id="1" name="Shape 41"/>
         <p:cNvGrpSpPr/>
         <p:nvPr/>
       </p:nvGrpSpPr>
@@ -4413,7 +4765,9 @@
       <p:sp>
         <p:nvSpPr>
           <p:cNvPr id="42" name="Shape 42"/>
-          <p:cNvSpPr txBox="1"/>
+          <p:cNvSpPr txBox="1">
+            <a:spLocks noGrp="1"/>
+          </p:cNvSpPr>
           <p:nvPr>
             <p:ph type="title"/>
           </p:nvPr>
@@ -4428,7 +4782,7 @@
           </a:prstGeom>
         </p:spPr>
         <p:txBody>
-          <a:bodyPr anchorCtr="0" anchor="b" bIns="91425" lIns="91425" rIns="91425" tIns="91425">
+          <a:bodyPr lIns="91425" tIns="91425" rIns="91425" bIns="91425" anchor="b" anchorCtr="0">
             <a:noAutofit/>
           </a:bodyPr>
           <a:lstStyle/>
@@ -4449,9 +4803,11 @@
       <p:sp>
         <p:nvSpPr>
           <p:cNvPr id="43" name="Shape 43"/>
-          <p:cNvSpPr txBox="1"/>
+          <p:cNvSpPr txBox="1">
+            <a:spLocks noGrp="1"/>
+          </p:cNvSpPr>
           <p:nvPr>
-            <p:ph idx="1" type="body"/>
+            <p:ph type="body" idx="1"/>
           </p:nvPr>
         </p:nvSpPr>
         <p:spPr>
@@ -4464,12 +4820,12 @@
           </a:prstGeom>
         </p:spPr>
         <p:txBody>
-          <a:bodyPr anchorCtr="0" anchor="t" bIns="91425" lIns="91425" rIns="91425" tIns="91425">
+          <a:bodyPr lIns="91425" tIns="91425" rIns="91425" bIns="91425" anchor="t" anchorCtr="0">
             <a:noAutofit/>
           </a:bodyPr>
           <a:lstStyle/>
           <a:p>
-            <a:pPr indent="-419100" lvl="0" marL="457200" rtl="0">
+            <a:pPr marL="457200" lvl="0" indent="-419100" rtl="0">
               <a:spcBef>
                 <a:spcPts val="0"/>
               </a:spcBef>
@@ -4485,12 +4841,12 @@
               <a:t>Vedúci projektu: </a:t>
             </a:r>
             <a:r>
-              <a:rPr b="1" lang="en"/>
+              <a:rPr lang="en" b="1"/>
               <a:t>RNDr. Adam Rambousek</a:t>
             </a:r>
           </a:p>
           <a:p>
-            <a:pPr indent="-419100" lvl="0" marL="457200" rtl="0">
+            <a:pPr marL="457200" lvl="0" indent="-419100" rtl="0">
               <a:spcBef>
                 <a:spcPts val="0"/>
               </a:spcBef>
@@ -4507,7 +4863,7 @@
             </a:r>
           </a:p>
           <a:p>
-            <a:pPr indent="-419100" lvl="0" marL="457200">
+            <a:pPr marL="457200" lvl="0" indent="-419100">
               <a:spcBef>
                 <a:spcPts val="0"/>
               </a:spcBef>
@@ -4537,11 +4893,11 @@
 </file>
 
 <file path=ppt/slides/slide4.xml><?xml version="1.0" encoding="utf-8"?>
-<p:sld xmlns:a="http://schemas.openxmlformats.org/drawingml/2006/main" xmlns:r="http://schemas.openxmlformats.org/officeDocument/2006/relationships" xmlns:mc="http://schemas.openxmlformats.org/markup-compatibility/2006" xmlns:mv="urn:schemas-microsoft-com:mac:vml" xmlns:p="http://schemas.openxmlformats.org/presentationml/2006/main" xmlns:c="http://schemas.openxmlformats.org/drawingml/2006/chart" xmlns:dgm="http://schemas.openxmlformats.org/drawingml/2006/diagram" xmlns:o="urn:schemas-microsoft-com:office:office" xmlns:v="urn:schemas-microsoft-com:vml" xmlns:pvml="urn:schemas-microsoft-com:office:powerpoint" xmlns:com="http://schemas.openxmlformats.org/drawingml/2006/compatibility" xmlns:p14="http://schemas.microsoft.com/office/powerpoint/2010/main">
+<p:sld xmlns:a="http://schemas.openxmlformats.org/drawingml/2006/main" xmlns:r="http://schemas.openxmlformats.org/officeDocument/2006/relationships" xmlns:p="http://schemas.openxmlformats.org/presentationml/2006/main">
   <p:cSld>
     <p:spTree>
       <p:nvGrpSpPr>
-        <p:cNvPr id="47" name="Shape 47"/>
+        <p:cNvPr id="1" name="Shape 47"/>
         <p:cNvGrpSpPr/>
         <p:nvPr/>
       </p:nvGrpSpPr>
@@ -4556,7 +4912,9 @@
       <p:sp>
         <p:nvSpPr>
           <p:cNvPr id="48" name="Shape 48"/>
-          <p:cNvSpPr txBox="1"/>
+          <p:cNvSpPr txBox="1">
+            <a:spLocks noGrp="1"/>
+          </p:cNvSpPr>
           <p:nvPr>
             <p:ph type="title"/>
           </p:nvPr>
@@ -4571,7 +4929,7 @@
           </a:prstGeom>
         </p:spPr>
         <p:txBody>
-          <a:bodyPr anchorCtr="0" anchor="b" bIns="91425" lIns="91425" rIns="91425" tIns="91425">
+          <a:bodyPr lIns="91425" tIns="91425" rIns="91425" bIns="91425" anchor="b" anchorCtr="0">
             <a:noAutofit/>
           </a:bodyPr>
           <a:lstStyle/>
@@ -4592,9 +4950,11 @@
       <p:sp>
         <p:nvSpPr>
           <p:cNvPr id="49" name="Shape 49"/>
-          <p:cNvSpPr txBox="1"/>
+          <p:cNvSpPr txBox="1">
+            <a:spLocks noGrp="1"/>
+          </p:cNvSpPr>
           <p:nvPr>
-            <p:ph idx="1" type="body"/>
+            <p:ph type="body" idx="1"/>
           </p:nvPr>
         </p:nvSpPr>
         <p:spPr>
@@ -4607,12 +4967,12 @@
           </a:prstGeom>
         </p:spPr>
         <p:txBody>
-          <a:bodyPr anchorCtr="0" anchor="t" bIns="91425" lIns="91425" rIns="91425" tIns="91425">
+          <a:bodyPr lIns="91425" tIns="91425" rIns="91425" bIns="91425" anchor="t" anchorCtr="0">
             <a:noAutofit/>
           </a:bodyPr>
           <a:lstStyle/>
           <a:p>
-            <a:pPr indent="-419100" lvl="0" marL="457200" rtl="0">
+            <a:pPr marL="457200" lvl="0" indent="-419100" rtl="0">
               <a:lnSpc>
                 <a:spcPct val="115000"/>
               </a:lnSpc>
@@ -4627,7 +4987,7 @@
               <a:buChar char="●"/>
             </a:pPr>
             <a:r>
-              <a:rPr b="1" lang="en"/>
+              <a:rPr lang="en" b="1"/>
               <a:t>Bc. Tomáš Borčin</a:t>
             </a:r>
             <a:r>
@@ -4640,7 +5000,7 @@
             </a:r>
           </a:p>
           <a:p>
-            <a:pPr indent="-419100" lvl="0" marL="457200" rtl="0">
+            <a:pPr marL="457200" lvl="0" indent="-419100" rtl="0">
               <a:lnSpc>
                 <a:spcPct val="115000"/>
               </a:lnSpc>
@@ -4655,7 +5015,7 @@
               <a:buChar char="●"/>
             </a:pPr>
             <a:r>
-              <a:rPr b="1" lang="en"/>
+              <a:rPr lang="en" b="1"/>
               <a:t>Bc. Lukáš Buzga</a:t>
             </a:r>
             <a:r>
@@ -4668,7 +5028,7 @@
             </a:r>
           </a:p>
           <a:p>
-            <a:pPr indent="-419100" lvl="0" marL="457200" rtl="0">
+            <a:pPr marL="457200" lvl="0" indent="-419100" rtl="0">
               <a:lnSpc>
                 <a:spcPct val="115000"/>
               </a:lnSpc>
@@ -4683,7 +5043,7 @@
               <a:buChar char="●"/>
             </a:pPr>
             <a:r>
-              <a:rPr b="1" lang="en"/>
+              <a:rPr lang="en" b="1"/>
               <a:t>Bc. Marián Čamák</a:t>
             </a:r>
             <a:r>
@@ -4696,7 +5056,7 @@
             </a:r>
           </a:p>
           <a:p>
-            <a:pPr indent="-419100" lvl="0" marL="457200">
+            <a:pPr marL="457200" lvl="0" indent="-419100">
               <a:lnSpc>
                 <a:spcPct val="115000"/>
               </a:lnSpc>
@@ -4711,7 +5071,7 @@
               <a:buChar char="●"/>
             </a:pPr>
             <a:r>
-              <a:rPr b="1" lang="en"/>
+              <a:rPr lang="en" b="1"/>
               <a:t>Mikuláš Mráz</a:t>
             </a:r>
             <a:r>
@@ -4737,11 +5097,11 @@
 </file>
 
 <file path=ppt/slides/slide5.xml><?xml version="1.0" encoding="utf-8"?>
-<p:sld xmlns:a="http://schemas.openxmlformats.org/drawingml/2006/main" xmlns:r="http://schemas.openxmlformats.org/officeDocument/2006/relationships" xmlns:mc="http://schemas.openxmlformats.org/markup-compatibility/2006" xmlns:mv="urn:schemas-microsoft-com:mac:vml" xmlns:p="http://schemas.openxmlformats.org/presentationml/2006/main" xmlns:c="http://schemas.openxmlformats.org/drawingml/2006/chart" xmlns:dgm="http://schemas.openxmlformats.org/drawingml/2006/diagram" xmlns:o="urn:schemas-microsoft-com:office:office" xmlns:v="urn:schemas-microsoft-com:vml" xmlns:pvml="urn:schemas-microsoft-com:office:powerpoint" xmlns:com="http://schemas.openxmlformats.org/drawingml/2006/compatibility" xmlns:p14="http://schemas.microsoft.com/office/powerpoint/2010/main">
+<p:sld xmlns:a="http://schemas.openxmlformats.org/drawingml/2006/main" xmlns:r="http://schemas.openxmlformats.org/officeDocument/2006/relationships" xmlns:p="http://schemas.openxmlformats.org/presentationml/2006/main">
   <p:cSld>
     <p:spTree>
       <p:nvGrpSpPr>
-        <p:cNvPr id="53" name="Shape 53"/>
+        <p:cNvPr id="1" name="Shape 53"/>
         <p:cNvGrpSpPr/>
         <p:nvPr/>
       </p:nvGrpSpPr>
@@ -4756,7 +5116,9 @@
       <p:sp>
         <p:nvSpPr>
           <p:cNvPr id="54" name="Shape 54"/>
-          <p:cNvSpPr txBox="1"/>
+          <p:cNvSpPr txBox="1">
+            <a:spLocks noGrp="1"/>
+          </p:cNvSpPr>
           <p:nvPr>
             <p:ph type="title"/>
           </p:nvPr>
@@ -4771,7 +5133,7 @@
           </a:prstGeom>
         </p:spPr>
         <p:txBody>
-          <a:bodyPr anchorCtr="0" anchor="b" bIns="91425" lIns="91425" rIns="91425" tIns="91425">
+          <a:bodyPr lIns="91425" tIns="91425" rIns="91425" bIns="91425" anchor="b" anchorCtr="0">
             <a:noAutofit/>
           </a:bodyPr>
           <a:lstStyle/>
@@ -4792,9 +5154,11 @@
       <p:sp>
         <p:nvSpPr>
           <p:cNvPr id="55" name="Shape 55"/>
-          <p:cNvSpPr txBox="1"/>
+          <p:cNvSpPr txBox="1">
+            <a:spLocks noGrp="1"/>
+          </p:cNvSpPr>
           <p:nvPr>
-            <p:ph idx="1" type="body"/>
+            <p:ph type="body" idx="1"/>
           </p:nvPr>
         </p:nvSpPr>
         <p:spPr>
@@ -4807,7 +5171,7 @@
           </a:prstGeom>
         </p:spPr>
         <p:txBody>
-          <a:bodyPr anchorCtr="0" anchor="t" bIns="91425" lIns="91425" rIns="91425" tIns="91425">
+          <a:bodyPr lIns="91425" tIns="91425" rIns="91425" bIns="91425" anchor="t" anchorCtr="0">
             <a:noAutofit/>
           </a:bodyPr>
           <a:lstStyle/>
@@ -4840,11 +5204,11 @@
 </file>
 
 <file path=ppt/slides/slide6.xml><?xml version="1.0" encoding="utf-8"?>
-<p:sld xmlns:a="http://schemas.openxmlformats.org/drawingml/2006/main" xmlns:r="http://schemas.openxmlformats.org/officeDocument/2006/relationships" xmlns:mc="http://schemas.openxmlformats.org/markup-compatibility/2006" xmlns:mv="urn:schemas-microsoft-com:mac:vml" xmlns:p="http://schemas.openxmlformats.org/presentationml/2006/main" xmlns:c="http://schemas.openxmlformats.org/drawingml/2006/chart" xmlns:dgm="http://schemas.openxmlformats.org/drawingml/2006/diagram" xmlns:o="urn:schemas-microsoft-com:office:office" xmlns:v="urn:schemas-microsoft-com:vml" xmlns:pvml="urn:schemas-microsoft-com:office:powerpoint" xmlns:com="http://schemas.openxmlformats.org/drawingml/2006/compatibility" xmlns:p14="http://schemas.microsoft.com/office/powerpoint/2010/main">
+<p:sld xmlns:a="http://schemas.openxmlformats.org/drawingml/2006/main" xmlns:r="http://schemas.openxmlformats.org/officeDocument/2006/relationships" xmlns:p="http://schemas.openxmlformats.org/presentationml/2006/main">
   <p:cSld>
     <p:spTree>
       <p:nvGrpSpPr>
-        <p:cNvPr id="59" name="Shape 59"/>
+        <p:cNvPr id="1" name="Shape 59"/>
         <p:cNvGrpSpPr/>
         <p:nvPr/>
       </p:nvGrpSpPr>
@@ -4859,7 +5223,9 @@
       <p:sp>
         <p:nvSpPr>
           <p:cNvPr id="60" name="Shape 60"/>
-          <p:cNvSpPr txBox="1"/>
+          <p:cNvSpPr txBox="1">
+            <a:spLocks noGrp="1"/>
+          </p:cNvSpPr>
           <p:nvPr>
             <p:ph type="title"/>
           </p:nvPr>
@@ -4874,7 +5240,7 @@
           </a:prstGeom>
         </p:spPr>
         <p:txBody>
-          <a:bodyPr anchorCtr="0" anchor="b" bIns="91425" lIns="91425" rIns="91425" tIns="91425">
+          <a:bodyPr lIns="91425" tIns="91425" rIns="91425" bIns="91425" anchor="b" anchorCtr="0">
             <a:noAutofit/>
           </a:bodyPr>
           <a:lstStyle/>
@@ -4895,9 +5261,11 @@
       <p:sp>
         <p:nvSpPr>
           <p:cNvPr id="61" name="Shape 61"/>
-          <p:cNvSpPr txBox="1"/>
+          <p:cNvSpPr txBox="1">
+            <a:spLocks noGrp="1"/>
+          </p:cNvSpPr>
           <p:nvPr>
-            <p:ph idx="1" type="body"/>
+            <p:ph type="body" idx="1"/>
           </p:nvPr>
         </p:nvSpPr>
         <p:spPr>
@@ -4910,12 +5278,12 @@
           </a:prstGeom>
         </p:spPr>
         <p:txBody>
-          <a:bodyPr anchorCtr="0" anchor="t" bIns="91425" lIns="91425" rIns="91425" tIns="91425">
+          <a:bodyPr lIns="91425" tIns="91425" rIns="91425" bIns="91425" anchor="t" anchorCtr="0">
             <a:noAutofit/>
           </a:bodyPr>
           <a:lstStyle/>
           <a:p>
-            <a:pPr indent="-419100" lvl="0" marL="457200" rtl="0">
+            <a:pPr marL="457200" lvl="0" indent="-419100" rtl="0">
               <a:lnSpc>
                 <a:spcPct val="150000"/>
               </a:lnSpc>
@@ -4935,7 +5303,7 @@
             </a:r>
           </a:p>
           <a:p>
-            <a:pPr indent="-419100" lvl="0" marL="457200" rtl="0">
+            <a:pPr marL="457200" lvl="0" indent="-419100" rtl="0">
               <a:lnSpc>
                 <a:spcPct val="150000"/>
               </a:lnSpc>
@@ -4955,7 +5323,7 @@
             </a:r>
           </a:p>
           <a:p>
-            <a:pPr indent="-419100" lvl="0" marL="457200" rtl="0">
+            <a:pPr marL="457200" lvl="0" indent="-419100" rtl="0">
               <a:lnSpc>
                 <a:spcPct val="150000"/>
               </a:lnSpc>
@@ -4988,11 +5356,11 @@
 </file>
 
 <file path=ppt/slides/slide7.xml><?xml version="1.0" encoding="utf-8"?>
-<p:sld xmlns:a="http://schemas.openxmlformats.org/drawingml/2006/main" xmlns:r="http://schemas.openxmlformats.org/officeDocument/2006/relationships" xmlns:mc="http://schemas.openxmlformats.org/markup-compatibility/2006" xmlns:mv="urn:schemas-microsoft-com:mac:vml" xmlns:p="http://schemas.openxmlformats.org/presentationml/2006/main" xmlns:c="http://schemas.openxmlformats.org/drawingml/2006/chart" xmlns:dgm="http://schemas.openxmlformats.org/drawingml/2006/diagram" xmlns:o="urn:schemas-microsoft-com:office:office" xmlns:v="urn:schemas-microsoft-com:vml" xmlns:pvml="urn:schemas-microsoft-com:office:powerpoint" xmlns:com="http://schemas.openxmlformats.org/drawingml/2006/compatibility" xmlns:p14="http://schemas.microsoft.com/office/powerpoint/2010/main">
+<p:sld xmlns:a="http://schemas.openxmlformats.org/drawingml/2006/main" xmlns:r="http://schemas.openxmlformats.org/officeDocument/2006/relationships" xmlns:p="http://schemas.openxmlformats.org/presentationml/2006/main">
   <p:cSld>
     <p:spTree>
       <p:nvGrpSpPr>
-        <p:cNvPr id="65" name="Shape 65"/>
+        <p:cNvPr id="1" name="Shape 65"/>
         <p:cNvGrpSpPr/>
         <p:nvPr/>
       </p:nvGrpSpPr>
@@ -5007,7 +5375,9 @@
       <p:sp>
         <p:nvSpPr>
           <p:cNvPr id="66" name="Shape 66"/>
-          <p:cNvSpPr txBox="1"/>
+          <p:cNvSpPr txBox="1">
+            <a:spLocks noGrp="1"/>
+          </p:cNvSpPr>
           <p:nvPr>
             <p:ph type="title"/>
           </p:nvPr>
@@ -5022,7 +5392,7 @@
           </a:prstGeom>
         </p:spPr>
         <p:txBody>
-          <a:bodyPr anchorCtr="0" anchor="b" bIns="91425" lIns="91425" rIns="91425" tIns="91425">
+          <a:bodyPr lIns="91425" tIns="91425" rIns="91425" bIns="91425" anchor="b" anchorCtr="0">
             <a:noAutofit/>
           </a:bodyPr>
           <a:lstStyle/>
@@ -5043,9 +5413,11 @@
       <p:sp>
         <p:nvSpPr>
           <p:cNvPr id="67" name="Shape 67"/>
-          <p:cNvSpPr txBox="1"/>
+          <p:cNvSpPr txBox="1">
+            <a:spLocks noGrp="1"/>
+          </p:cNvSpPr>
           <p:nvPr>
-            <p:ph idx="1" type="body"/>
+            <p:ph type="body" idx="1"/>
           </p:nvPr>
         </p:nvSpPr>
         <p:spPr>
@@ -5058,12 +5430,12 @@
           </a:prstGeom>
         </p:spPr>
         <p:txBody>
-          <a:bodyPr anchorCtr="0" anchor="t" bIns="91425" lIns="91425" rIns="91425" tIns="91425">
+          <a:bodyPr lIns="91425" tIns="91425" rIns="91425" bIns="91425" anchor="t" anchorCtr="0">
             <a:noAutofit/>
           </a:bodyPr>
           <a:lstStyle/>
           <a:p>
-            <a:pPr indent="-419100" lvl="0" marL="457200" rtl="0">
+            <a:pPr marL="457200" lvl="0" indent="-419100" rtl="0">
               <a:lnSpc>
                 <a:spcPct val="150000"/>
               </a:lnSpc>
@@ -5083,7 +5455,7 @@
             </a:r>
           </a:p>
           <a:p>
-            <a:pPr indent="-419100" lvl="0" marL="457200" rtl="0">
+            <a:pPr marL="457200" lvl="0" indent="-419100" rtl="0">
               <a:lnSpc>
                 <a:spcPct val="150000"/>
               </a:lnSpc>
@@ -5103,7 +5475,7 @@
             </a:r>
           </a:p>
           <a:p>
-            <a:pPr indent="-419100" lvl="0" marL="457200" rtl="0">
+            <a:pPr marL="457200" lvl="0" indent="-419100" rtl="0">
               <a:lnSpc>
                 <a:spcPct val="150000"/>
               </a:lnSpc>
@@ -5123,7 +5495,7 @@
             </a:r>
           </a:p>
           <a:p>
-            <a:pPr indent="-330200" lvl="1" marL="914400" rtl="0">
+            <a:pPr marL="914400" lvl="1" indent="-330200" rtl="0">
               <a:lnSpc>
                 <a:spcPct val="115000"/>
               </a:lnSpc>
@@ -5141,12 +5513,12 @@
               <a:buChar char="o"/>
             </a:pPr>
             <a:r>
-              <a:rPr i="1" lang="en" sz="1600"/>
+              <a:rPr lang="en" sz="1600" i="1"/>
               <a:t>scp PB138_project.war xborcin@kore.fi.muni.cz:/opt/apache-tomcat/instances/xborcin/webapps</a:t>
             </a:r>
           </a:p>
           <a:p>
-            <a:pPr indent="-330200" lvl="1" marL="914400" rtl="0">
+            <a:pPr marL="914400" lvl="1" indent="-330200" rtl="0">
               <a:lnSpc>
                 <a:spcPct val="115000"/>
               </a:lnSpc>
@@ -5161,7 +5533,7 @@
               <a:buChar char="o"/>
             </a:pPr>
             <a:r>
-              <a:rPr i="1" lang="en" sz="1600"/>
+              <a:rPr lang="en" sz="1600" i="1"/>
               <a:t>./startInstance.sh xborcin</a:t>
             </a:r>
           </a:p>
@@ -5179,11 +5551,11 @@
 </file>
 
 <file path=ppt/slides/slide8.xml><?xml version="1.0" encoding="utf-8"?>
-<p:sld xmlns:a="http://schemas.openxmlformats.org/drawingml/2006/main" xmlns:r="http://schemas.openxmlformats.org/officeDocument/2006/relationships" xmlns:mc="http://schemas.openxmlformats.org/markup-compatibility/2006" xmlns:mv="urn:schemas-microsoft-com:mac:vml" xmlns:p="http://schemas.openxmlformats.org/presentationml/2006/main" xmlns:c="http://schemas.openxmlformats.org/drawingml/2006/chart" xmlns:dgm="http://schemas.openxmlformats.org/drawingml/2006/diagram" xmlns:o="urn:schemas-microsoft-com:office:office" xmlns:v="urn:schemas-microsoft-com:vml" xmlns:pvml="urn:schemas-microsoft-com:office:powerpoint" xmlns:com="http://schemas.openxmlformats.org/drawingml/2006/compatibility" xmlns:p14="http://schemas.microsoft.com/office/powerpoint/2010/main">
+<p:sld xmlns:a="http://schemas.openxmlformats.org/drawingml/2006/main" xmlns:r="http://schemas.openxmlformats.org/officeDocument/2006/relationships" xmlns:p="http://schemas.openxmlformats.org/presentationml/2006/main">
   <p:cSld>
     <p:spTree>
       <p:nvGrpSpPr>
-        <p:cNvPr id="71" name="Shape 71"/>
+        <p:cNvPr id="1" name="Shape 71"/>
         <p:cNvGrpSpPr/>
         <p:nvPr/>
       </p:nvGrpSpPr>
@@ -5198,7 +5570,9 @@
       <p:sp>
         <p:nvSpPr>
           <p:cNvPr id="72" name="Shape 72"/>
-          <p:cNvSpPr txBox="1"/>
+          <p:cNvSpPr txBox="1">
+            <a:spLocks noGrp="1"/>
+          </p:cNvSpPr>
           <p:nvPr>
             <p:ph type="title"/>
           </p:nvPr>
@@ -5213,7 +5587,7 @@
           </a:prstGeom>
         </p:spPr>
         <p:txBody>
-          <a:bodyPr anchorCtr="0" anchor="b" bIns="91425" lIns="91425" rIns="91425" tIns="91425">
+          <a:bodyPr lIns="91425" tIns="91425" rIns="91425" bIns="91425" anchor="b" anchorCtr="0">
             <a:noAutofit/>
           </a:bodyPr>
           <a:lstStyle/>
@@ -5234,9 +5608,11 @@
       <p:sp>
         <p:nvSpPr>
           <p:cNvPr id="73" name="Shape 73"/>
-          <p:cNvSpPr txBox="1"/>
+          <p:cNvSpPr txBox="1">
+            <a:spLocks noGrp="1"/>
+          </p:cNvSpPr>
           <p:nvPr>
-            <p:ph idx="1" type="body"/>
+            <p:ph type="body" idx="1"/>
           </p:nvPr>
         </p:nvSpPr>
         <p:spPr>
@@ -5249,12 +5625,12 @@
           </a:prstGeom>
         </p:spPr>
         <p:txBody>
-          <a:bodyPr anchorCtr="0" anchor="t" bIns="91425" lIns="91425" rIns="91425" tIns="91425">
+          <a:bodyPr lIns="91425" tIns="91425" rIns="91425" bIns="91425" anchor="t" anchorCtr="0">
             <a:noAutofit/>
           </a:bodyPr>
           <a:lstStyle/>
           <a:p>
-            <a:pPr indent="-419100" lvl="0" marL="457200">
+            <a:pPr marL="457200" lvl="0" indent="-419100">
               <a:spcBef>
                 <a:spcPts val="0"/>
               </a:spcBef>
@@ -5312,11 +5688,11 @@
 </file>
 
 <file path=ppt/slides/slide9.xml><?xml version="1.0" encoding="utf-8"?>
-<p:sld xmlns:a="http://schemas.openxmlformats.org/drawingml/2006/main" xmlns:r="http://schemas.openxmlformats.org/officeDocument/2006/relationships" xmlns:mc="http://schemas.openxmlformats.org/markup-compatibility/2006" xmlns:mv="urn:schemas-microsoft-com:mac:vml" xmlns:p="http://schemas.openxmlformats.org/presentationml/2006/main" xmlns:c="http://schemas.openxmlformats.org/drawingml/2006/chart" xmlns:dgm="http://schemas.openxmlformats.org/drawingml/2006/diagram" xmlns:o="urn:schemas-microsoft-com:office:office" xmlns:v="urn:schemas-microsoft-com:vml" xmlns:pvml="urn:schemas-microsoft-com:office:powerpoint" xmlns:com="http://schemas.openxmlformats.org/drawingml/2006/compatibility" xmlns:p14="http://schemas.microsoft.com/office/powerpoint/2010/main">
+<p:sld xmlns:a="http://schemas.openxmlformats.org/drawingml/2006/main" xmlns:r="http://schemas.openxmlformats.org/officeDocument/2006/relationships" xmlns:p="http://schemas.openxmlformats.org/presentationml/2006/main">
   <p:cSld>
     <p:spTree>
       <p:nvGrpSpPr>
-        <p:cNvPr id="78" name="Shape 78"/>
+        <p:cNvPr id="1" name="Shape 78"/>
         <p:cNvGrpSpPr/>
         <p:nvPr/>
       </p:nvGrpSpPr>
@@ -5331,9 +5707,11 @@
       <p:sp>
         <p:nvSpPr>
           <p:cNvPr id="79" name="Shape 79"/>
-          <p:cNvSpPr txBox="1"/>
+          <p:cNvSpPr txBox="1">
+            <a:spLocks noGrp="1"/>
+          </p:cNvSpPr>
           <p:nvPr>
-            <p:ph idx="1" type="body"/>
+            <p:ph type="body" idx="1"/>
           </p:nvPr>
         </p:nvSpPr>
         <p:spPr>
@@ -5346,12 +5724,12 @@
           </a:prstGeom>
         </p:spPr>
         <p:txBody>
-          <a:bodyPr anchorCtr="0" anchor="t" bIns="91425" lIns="91425" rIns="91425" tIns="91425">
+          <a:bodyPr lIns="91425" tIns="91425" rIns="91425" bIns="91425" anchor="t" anchorCtr="0">
             <a:noAutofit/>
           </a:bodyPr>
           <a:lstStyle/>
           <a:p>
-            <a:pPr indent="-419100" lvl="0" marL="457200">
+            <a:pPr marL="457200" lvl="0" indent="-419100">
               <a:spcBef>
                 <a:spcPts val="0"/>
               </a:spcBef>
@@ -5409,44 +5787,44 @@
 </file>
 
 <file path=ppt/theme/theme1.xml><?xml version="1.0" encoding="utf-8"?>
-<a:theme xmlns:a="http://schemas.openxmlformats.org/drawingml/2006/main" xmlns:r="http://schemas.openxmlformats.org/officeDocument/2006/relationships" name="Office Theme">
+<a:theme xmlns:a="http://schemas.openxmlformats.org/drawingml/2006/main" name="simple-light">
   <a:themeElements>
-    <a:clrScheme name="Office">
+    <a:clrScheme name="Custom 347">
       <a:dk1>
-        <a:sysClr lastClr="000000" val="windowText"/>
+        <a:srgbClr val="000000"/>
       </a:dk1>
       <a:lt1>
-        <a:sysClr lastClr="FFFFFF" val="window"/>
+        <a:srgbClr val="FFFFFF"/>
       </a:lt1>
       <a:dk2>
-        <a:srgbClr val="1F497D"/>
+        <a:srgbClr val="666666"/>
       </a:dk2>
       <a:lt2>
-        <a:srgbClr val="EEECE1"/>
+        <a:srgbClr val="CCCCCC"/>
       </a:lt2>
       <a:accent1>
-        <a:srgbClr val="4F81BD"/>
+        <a:srgbClr val="3A81BA"/>
       </a:accent1>
       <a:accent2>
-        <a:srgbClr val="C0504D"/>
+        <a:srgbClr val="D89F39"/>
       </a:accent2>
       <a:accent3>
-        <a:srgbClr val="9BBB59"/>
+        <a:srgbClr val="8BAB42"/>
       </a:accent3>
       <a:accent4>
-        <a:srgbClr val="8064A2"/>
+        <a:srgbClr val="57A7B5"/>
       </a:accent4>
       <a:accent5>
-        <a:srgbClr val="4BACC6"/>
+        <a:srgbClr val="8B81D2"/>
       </a:accent5>
       <a:accent6>
-        <a:srgbClr val="F79646"/>
+        <a:srgbClr val="963334"/>
       </a:accent6>
       <a:hlink>
-        <a:srgbClr val="0000FF"/>
+        <a:srgbClr val="1155CC"/>
       </a:hlink>
       <a:folHlink>
-        <a:srgbClr val="800080"/>
+        <a:srgbClr val="6611CC"/>
       </a:folHlink>
     </a:clrScheme>
     <a:fontScheme name="Office">
@@ -5568,7 +5946,7 @@
         </a:gradFill>
       </a:fillStyleLst>
       <a:lnStyleLst>
-        <a:ln cap="flat" cmpd="sng" w="9525" algn="ctr">
+        <a:ln w="9525" cap="flat" cmpd="sng" algn="ctr">
           <a:solidFill>
             <a:schemeClr val="phClr">
               <a:shade val="95000"/>
@@ -5577,13 +5955,13 @@
           </a:solidFill>
           <a:prstDash val="solid"/>
         </a:ln>
-        <a:ln cap="flat" cmpd="sng" w="25400" algn="ctr">
+        <a:ln w="25400" cap="flat" cmpd="sng" algn="ctr">
           <a:solidFill>
             <a:schemeClr val="phClr"/>
           </a:solidFill>
           <a:prstDash val="solid"/>
         </a:ln>
-        <a:ln cap="flat" cmpd="sng" w="38100" algn="ctr">
+        <a:ln w="38100" cap="flat" cmpd="sng" algn="ctr">
           <a:solidFill>
             <a:schemeClr val="phClr"/>
           </a:solidFill>
@@ -5593,7 +5971,7 @@
       <a:effectStyleLst>
         <a:effectStyle>
           <a:effectLst>
-            <a:outerShdw blurRad="40000" rotWithShape="0" dir="5400000" dist="20000">
+            <a:outerShdw blurRad="40000" dist="20000" dir="5400000" rotWithShape="0">
               <a:srgbClr val="000000">
                 <a:alpha val="38000"/>
               </a:srgbClr>
@@ -5602,7 +5980,7 @@
         </a:effectStyle>
         <a:effectStyle>
           <a:effectLst>
-            <a:outerShdw blurRad="40000" rotWithShape="0" dir="5400000" dist="23000">
+            <a:outerShdw blurRad="40000" dist="23000" dir="5400000" rotWithShape="0">
               <a:srgbClr val="000000">
                 <a:alpha val="35000"/>
               </a:srgbClr>
@@ -5611,7 +5989,7 @@
         </a:effectStyle>
         <a:effectStyle>
           <a:effectLst>
-            <a:outerShdw blurRad="40000" rotWithShape="0" dir="5400000" dist="23000">
+            <a:outerShdw blurRad="40000" dist="23000" dir="5400000" rotWithShape="0">
               <a:srgbClr val="000000">
                 <a:alpha val="35000"/>
               </a:srgbClr>
@@ -5621,12 +5999,12 @@
             <a:camera prst="orthographicFront">
               <a:rot lat="0" lon="0" rev="0"/>
             </a:camera>
-            <a:lightRig dir="t" rig="threePt">
+            <a:lightRig rig="threePt" dir="t">
               <a:rot lat="0" lon="0" rev="1200000"/>
             </a:lightRig>
           </a:scene3d>
           <a:sp3d>
-            <a:bevelT h="25400" w="63500"/>
+            <a:bevelT w="63500" h="25400"/>
           </a:sp3d>
         </a:effectStyle>
       </a:effectStyleLst>
@@ -5657,7 +6035,7 @@
             </a:gs>
           </a:gsLst>
           <a:path path="circle">
-            <a:fillToRect b="180000" l="50000" r="50000" t="-80000"/>
+            <a:fillToRect l="50000" t="-80000" r="50000" b="180000"/>
           </a:path>
         </a:gradFill>
         <a:gradFill rotWithShape="1">
@@ -5676,57 +6054,19 @@
             </a:gs>
           </a:gsLst>
           <a:path path="circle">
-            <a:fillToRect b="50000" l="50000" r="50000" t="50000"/>
+            <a:fillToRect l="50000" t="50000" r="50000" b="50000"/>
           </a:path>
         </a:gradFill>
       </a:bgFillStyleLst>
     </a:fmtScheme>
   </a:themeElements>
-  <a:objectDefaults>
-    <a:spDef>
-      <a:spPr/>
-      <a:bodyPr/>
-      <a:lstStyle/>
-      <a:style>
-        <a:lnRef idx="1">
-          <a:schemeClr val="accent1"/>
-        </a:lnRef>
-        <a:fillRef idx="3">
-          <a:schemeClr val="accent1"/>
-        </a:fillRef>
-        <a:effectRef idx="2">
-          <a:schemeClr val="accent1"/>
-        </a:effectRef>
-        <a:fontRef idx="minor">
-          <a:schemeClr val="lt1"/>
-        </a:fontRef>
-      </a:style>
-    </a:spDef>
-    <a:lnDef>
-      <a:spPr/>
-      <a:bodyPr/>
-      <a:lstStyle/>
-      <a:style>
-        <a:lnRef idx="2">
-          <a:schemeClr val="accent1"/>
-        </a:lnRef>
-        <a:fillRef idx="0">
-          <a:schemeClr val="accent1"/>
-        </a:fillRef>
-        <a:effectRef idx="1">
-          <a:schemeClr val="accent1"/>
-        </a:effectRef>
-        <a:fontRef idx="minor">
-          <a:schemeClr val="tx1"/>
-        </a:fontRef>
-      </a:style>
-    </a:lnDef>
-  </a:objectDefaults>
+  <a:objectDefaults/>
+  <a:extraClrSchemeLst/>
 </a:theme>
 </file>
 
 <file path=ppt/theme/theme2.xml><?xml version="1.0" encoding="utf-8"?>
-<a:theme xmlns:a="http://schemas.openxmlformats.org/drawingml/2006/main" xmlns:r="http://schemas.openxmlformats.org/officeDocument/2006/relationships" name="Custom Theme">
+<a:theme xmlns:a="http://schemas.openxmlformats.org/drawingml/2006/main" name="Custom Theme">
   <a:themeElements>
     <a:clrScheme name="Default">
       <a:dk1>
@@ -5885,7 +6225,7 @@
         </a:gradFill>
       </a:fillStyleLst>
       <a:lnStyleLst>
-        <a:ln cap="flat" cmpd="sng" w="9525" algn="ctr">
+        <a:ln w="9525" cap="flat" cmpd="sng" algn="ctr">
           <a:solidFill>
             <a:schemeClr val="phClr">
               <a:shade val="95000"/>
@@ -5894,13 +6234,13 @@
           </a:solidFill>
           <a:prstDash val="solid"/>
         </a:ln>
-        <a:ln cap="flat" cmpd="sng" w="25400" algn="ctr">
+        <a:ln w="25400" cap="flat" cmpd="sng" algn="ctr">
           <a:solidFill>
             <a:schemeClr val="phClr"/>
           </a:solidFill>
           <a:prstDash val="solid"/>
         </a:ln>
-        <a:ln cap="flat" cmpd="sng" w="38100" algn="ctr">
+        <a:ln w="38100" cap="flat" cmpd="sng" algn="ctr">
           <a:solidFill>
             <a:schemeClr val="phClr"/>
           </a:solidFill>
@@ -5910,7 +6250,7 @@
       <a:effectStyleLst>
         <a:effectStyle>
           <a:effectLst>
-            <a:outerShdw blurRad="40000" rotWithShape="0" dir="5400000" dist="20000">
+            <a:outerShdw blurRad="40000" dist="20000" dir="5400000" rotWithShape="0">
               <a:srgbClr val="000000">
                 <a:alpha val="38000"/>
               </a:srgbClr>
@@ -5919,7 +6259,7 @@
         </a:effectStyle>
         <a:effectStyle>
           <a:effectLst>
-            <a:outerShdw blurRad="40000" rotWithShape="0" dir="5400000" dist="23000">
+            <a:outerShdw blurRad="40000" dist="23000" dir="5400000" rotWithShape="0">
               <a:srgbClr val="000000">
                 <a:alpha val="35000"/>
               </a:srgbClr>
@@ -5928,7 +6268,7 @@
         </a:effectStyle>
         <a:effectStyle>
           <a:effectLst>
-            <a:outerShdw blurRad="40000" rotWithShape="0" dir="5400000" dist="23000">
+            <a:outerShdw blurRad="40000" dist="23000" dir="5400000" rotWithShape="0">
               <a:srgbClr val="000000">
                 <a:alpha val="35000"/>
               </a:srgbClr>
@@ -5938,12 +6278,12 @@
             <a:camera prst="orthographicFront">
               <a:rot lat="0" lon="0" rev="0"/>
             </a:camera>
-            <a:lightRig dir="t" rig="threePt">
+            <a:lightRig rig="threePt" dir="t">
               <a:rot lat="0" lon="0" rev="1200000"/>
             </a:lightRig>
           </a:scene3d>
           <a:sp3d>
-            <a:bevelT h="25400" w="63500"/>
+            <a:bevelT w="63500" h="25400"/>
           </a:sp3d>
         </a:effectStyle>
       </a:effectStyleLst>
@@ -5974,7 +6314,7 @@
             </a:gs>
           </a:gsLst>
           <a:path path="circle">
-            <a:fillToRect b="180000" l="50000" r="50000" t="-80000"/>
+            <a:fillToRect l="50000" t="-80000" r="50000" b="180000"/>
           </a:path>
         </a:gradFill>
         <a:gradFill rotWithShape="1">
@@ -5993,288 +6333,13 @@
             </a:gs>
           </a:gsLst>
           <a:path path="circle">
-            <a:fillToRect b="50000" l="50000" r="50000" t="50000"/>
+            <a:fillToRect l="50000" t="50000" r="50000" b="50000"/>
           </a:path>
         </a:gradFill>
       </a:bgFillStyleLst>
     </a:fmtScheme>
   </a:themeElements>
-</a:theme>
-</file>
-
-<file path=ppt/theme/theme3.xml><?xml version="1.0" encoding="utf-8"?>
-<a:theme xmlns:a="http://schemas.openxmlformats.org/drawingml/2006/main" xmlns:r="http://schemas.openxmlformats.org/officeDocument/2006/relationships" name="simple-light">
-  <a:themeElements>
-    <a:clrScheme name="Custom 347">
-      <a:dk1>
-        <a:srgbClr val="000000"/>
-      </a:dk1>
-      <a:lt1>
-        <a:srgbClr val="FFFFFF"/>
-      </a:lt1>
-      <a:dk2>
-        <a:srgbClr val="666666"/>
-      </a:dk2>
-      <a:lt2>
-        <a:srgbClr val="CCCCCC"/>
-      </a:lt2>
-      <a:accent1>
-        <a:srgbClr val="3A81BA"/>
-      </a:accent1>
-      <a:accent2>
-        <a:srgbClr val="D89F39"/>
-      </a:accent2>
-      <a:accent3>
-        <a:srgbClr val="8BAB42"/>
-      </a:accent3>
-      <a:accent4>
-        <a:srgbClr val="57A7B5"/>
-      </a:accent4>
-      <a:accent5>
-        <a:srgbClr val="8B81D2"/>
-      </a:accent5>
-      <a:accent6>
-        <a:srgbClr val="963334"/>
-      </a:accent6>
-      <a:hlink>
-        <a:srgbClr val="1155CC"/>
-      </a:hlink>
-      <a:folHlink>
-        <a:srgbClr val="6611CC"/>
-      </a:folHlink>
-    </a:clrScheme>
-    <a:fontScheme name="Office">
-      <a:majorFont>
-        <a:latin typeface="Arial"/>
-        <a:ea typeface=""/>
-        <a:cs typeface=""/>
-        <a:font script="Jpan" typeface="ＭＳ Ｐゴシック"/>
-        <a:font script="Hang" typeface="맑은 고딕"/>
-        <a:font script="Hans" typeface="宋体"/>
-        <a:font script="Hant" typeface="新細明體"/>
-        <a:font script="Arab" typeface="Times New Roman"/>
-        <a:font script="Hebr" typeface="Times New Roman"/>
-        <a:font script="Thai" typeface="Angsana New"/>
-        <a:font script="Ethi" typeface="Nyala"/>
-        <a:font script="Beng" typeface="Vrinda"/>
-        <a:font script="Gujr" typeface="Shruti"/>
-        <a:font script="Khmr" typeface="MoolBoran"/>
-        <a:font script="Knda" typeface="Tunga"/>
-        <a:font script="Guru" typeface="Raavi"/>
-        <a:font script="Cans" typeface="Euphemia"/>
-        <a:font script="Cher" typeface="Plantagenet Cherokee"/>
-        <a:font script="Yiii" typeface="Microsoft Yi Baiti"/>
-        <a:font script="Tibt" typeface="Microsoft Himalaya"/>
-        <a:font script="Thaa" typeface="MV Boli"/>
-        <a:font script="Deva" typeface="Mangal"/>
-        <a:font script="Telu" typeface="Gautami"/>
-        <a:font script="Taml" typeface="Latha"/>
-        <a:font script="Syrc" typeface="Estrangelo Edessa"/>
-        <a:font script="Orya" typeface="Kalinga"/>
-        <a:font script="Mlym" typeface="Kartika"/>
-        <a:font script="Laoo" typeface="DokChampa"/>
-        <a:font script="Sinh" typeface="Iskoola Pota"/>
-        <a:font script="Mong" typeface="Mongolian Baiti"/>
-        <a:font script="Viet" typeface="Times New Roman"/>
-        <a:font script="Uigh" typeface="Microsoft Uighur"/>
-      </a:majorFont>
-      <a:minorFont>
-        <a:latin typeface="Arial"/>
-        <a:ea typeface=""/>
-        <a:cs typeface=""/>
-        <a:font script="Jpan" typeface="ＭＳ Ｐゴシック"/>
-        <a:font script="Hang" typeface="맑은 고딕"/>
-        <a:font script="Hans" typeface="宋体"/>
-        <a:font script="Hant" typeface="新細明體"/>
-        <a:font script="Arab" typeface="Times New Roman"/>
-        <a:font script="Hebr" typeface="Times New Roman"/>
-        <a:font script="Thai" typeface="Angsana New"/>
-        <a:font script="Ethi" typeface="Nyala"/>
-        <a:font script="Beng" typeface="Vrinda"/>
-        <a:font script="Gujr" typeface="Shruti"/>
-        <a:font script="Khmr" typeface="MoolBoran"/>
-        <a:font script="Knda" typeface="Tunga"/>
-        <a:font script="Guru" typeface="Raavi"/>
-        <a:font script="Cans" typeface="Euphemia"/>
-        <a:font script="Cher" typeface="Plantagenet Cherokee"/>
-        <a:font script="Yiii" typeface="Microsoft Yi Baiti"/>
-        <a:font script="Tibt" typeface="Microsoft Himalaya"/>
-        <a:font script="Thaa" typeface="MV Boli"/>
-        <a:font script="Deva" typeface="Mangal"/>
-        <a:font script="Telu" typeface="Gautami"/>
-        <a:font script="Taml" typeface="Latha"/>
-        <a:font script="Syrc" typeface="Estrangelo Edessa"/>
-        <a:font script="Orya" typeface="Kalinga"/>
-        <a:font script="Mlym" typeface="Kartika"/>
-        <a:font script="Laoo" typeface="DokChampa"/>
-        <a:font script="Sinh" typeface="Iskoola Pota"/>
-        <a:font script="Mong" typeface="Mongolian Baiti"/>
-        <a:font script="Viet" typeface="Times New Roman"/>
-        <a:font script="Uigh" typeface="Microsoft Uighur"/>
-      </a:minorFont>
-    </a:fontScheme>
-    <a:fmtScheme name="Office">
-      <a:fillStyleLst>
-        <a:solidFill>
-          <a:schemeClr val="phClr"/>
-        </a:solidFill>
-        <a:gradFill rotWithShape="1">
-          <a:gsLst>
-            <a:gs pos="0">
-              <a:schemeClr val="phClr">
-                <a:tint val="50000"/>
-                <a:satMod val="300000"/>
-              </a:schemeClr>
-            </a:gs>
-            <a:gs pos="35000">
-              <a:schemeClr val="phClr">
-                <a:tint val="37000"/>
-                <a:satMod val="300000"/>
-              </a:schemeClr>
-            </a:gs>
-            <a:gs pos="100000">
-              <a:schemeClr val="phClr">
-                <a:tint val="15000"/>
-                <a:satMod val="350000"/>
-              </a:schemeClr>
-            </a:gs>
-          </a:gsLst>
-          <a:lin ang="16200000" scaled="1"/>
-        </a:gradFill>
-        <a:gradFill rotWithShape="1">
-          <a:gsLst>
-            <a:gs pos="0">
-              <a:schemeClr val="phClr">
-                <a:tint val="100000"/>
-                <a:shade val="100000"/>
-                <a:satMod val="130000"/>
-              </a:schemeClr>
-            </a:gs>
-            <a:gs pos="100000">
-              <a:schemeClr val="phClr">
-                <a:tint val="50000"/>
-                <a:shade val="100000"/>
-                <a:satMod val="350000"/>
-              </a:schemeClr>
-            </a:gs>
-          </a:gsLst>
-          <a:lin ang="16200000" scaled="0"/>
-        </a:gradFill>
-      </a:fillStyleLst>
-      <a:lnStyleLst>
-        <a:ln cap="flat" cmpd="sng" w="9525" algn="ctr">
-          <a:solidFill>
-            <a:schemeClr val="phClr">
-              <a:shade val="95000"/>
-              <a:satMod val="105000"/>
-            </a:schemeClr>
-          </a:solidFill>
-          <a:prstDash val="solid"/>
-        </a:ln>
-        <a:ln cap="flat" cmpd="sng" w="25400" algn="ctr">
-          <a:solidFill>
-            <a:schemeClr val="phClr"/>
-          </a:solidFill>
-          <a:prstDash val="solid"/>
-        </a:ln>
-        <a:ln cap="flat" cmpd="sng" w="38100" algn="ctr">
-          <a:solidFill>
-            <a:schemeClr val="phClr"/>
-          </a:solidFill>
-          <a:prstDash val="solid"/>
-        </a:ln>
-      </a:lnStyleLst>
-      <a:effectStyleLst>
-        <a:effectStyle>
-          <a:effectLst>
-            <a:outerShdw blurRad="40000" rotWithShape="0" dir="5400000" dist="20000">
-              <a:srgbClr val="000000">
-                <a:alpha val="38000"/>
-              </a:srgbClr>
-            </a:outerShdw>
-          </a:effectLst>
-        </a:effectStyle>
-        <a:effectStyle>
-          <a:effectLst>
-            <a:outerShdw blurRad="40000" rotWithShape="0" dir="5400000" dist="23000">
-              <a:srgbClr val="000000">
-                <a:alpha val="35000"/>
-              </a:srgbClr>
-            </a:outerShdw>
-          </a:effectLst>
-        </a:effectStyle>
-        <a:effectStyle>
-          <a:effectLst>
-            <a:outerShdw blurRad="40000" rotWithShape="0" dir="5400000" dist="23000">
-              <a:srgbClr val="000000">
-                <a:alpha val="35000"/>
-              </a:srgbClr>
-            </a:outerShdw>
-          </a:effectLst>
-          <a:scene3d>
-            <a:camera prst="orthographicFront">
-              <a:rot lat="0" lon="0" rev="0"/>
-            </a:camera>
-            <a:lightRig dir="t" rig="threePt">
-              <a:rot lat="0" lon="0" rev="1200000"/>
-            </a:lightRig>
-          </a:scene3d>
-          <a:sp3d>
-            <a:bevelT h="25400" w="63500"/>
-          </a:sp3d>
-        </a:effectStyle>
-      </a:effectStyleLst>
-      <a:bgFillStyleLst>
-        <a:solidFill>
-          <a:schemeClr val="phClr"/>
-        </a:solidFill>
-        <a:gradFill rotWithShape="1">
-          <a:gsLst>
-            <a:gs pos="0">
-              <a:schemeClr val="phClr">
-                <a:tint val="40000"/>
-                <a:satMod val="350000"/>
-              </a:schemeClr>
-            </a:gs>
-            <a:gs pos="40000">
-              <a:schemeClr val="phClr">
-                <a:tint val="45000"/>
-                <a:shade val="99000"/>
-                <a:satMod val="350000"/>
-              </a:schemeClr>
-            </a:gs>
-            <a:gs pos="100000">
-              <a:schemeClr val="phClr">
-                <a:shade val="20000"/>
-                <a:satMod val="255000"/>
-              </a:schemeClr>
-            </a:gs>
-          </a:gsLst>
-          <a:path path="circle">
-            <a:fillToRect b="180000" l="50000" r="50000" t="-80000"/>
-          </a:path>
-        </a:gradFill>
-        <a:gradFill rotWithShape="1">
-          <a:gsLst>
-            <a:gs pos="0">
-              <a:schemeClr val="phClr">
-                <a:tint val="80000"/>
-                <a:satMod val="300000"/>
-              </a:schemeClr>
-            </a:gs>
-            <a:gs pos="100000">
-              <a:schemeClr val="phClr">
-                <a:shade val="30000"/>
-                <a:satMod val="200000"/>
-              </a:schemeClr>
-            </a:gs>
-          </a:gsLst>
-          <a:path path="circle">
-            <a:fillToRect b="50000" l="50000" r="50000" t="50000"/>
-          </a:path>
-        </a:gradFill>
-      </a:bgFillStyleLst>
-    </a:fmtScheme>
-  </a:themeElements>
+  <a:objectDefaults/>
+  <a:extraClrSchemeLst/>
 </a:theme>
 </file>